--- a/Présentation Projet.pptx
+++ b/Présentation Projet.pptx
@@ -3401,7 +3401,7 @@
           <a:p>
             <a:r>
               <a:rPr lang="fr-FR" dirty="0"/>
-              <a:t>Lien: https://github.com/Deathur/MapsJS</a:t>
+              <a:t>Lien du projet: https://github.com/Deathur/MapsJS</a:t>
             </a:r>
           </a:p>
         </p:txBody>
@@ -3465,8 +3465,13 @@
             <a:pPr algn="ctr"/>
             <a:r>
               <a:rPr lang="fr-FR" dirty="0"/>
-              <a:t>Objectif du projet &amp; préambule</a:t>
-            </a:r>
+              <a:t>Objectif du projet </a:t>
+            </a:r>
+            <a:r>
+              <a:rPr lang="fr-FR"/>
+              <a:t>&amp; API</a:t>
+            </a:r>
+            <a:endParaRPr lang="fr-FR" dirty="0"/>
           </a:p>
         </p:txBody>
       </p:sp>
@@ -3515,7 +3520,7 @@
             </a:pPr>
             <a:r>
               <a:rPr lang="fr-FR" dirty="0"/>
-              <a:t>API utilisés (avec la doc)</a:t>
+              <a:t>API utilisée</a:t>
             </a:r>
           </a:p>
           <a:p>

--- a/Présentation Projet.pptx
+++ b/Présentation Projet.pptx
@@ -7,6 +7,9 @@
   <p:sldIdLst>
     <p:sldId id="256" r:id="rId2"/>
     <p:sldId id="257" r:id="rId3"/>
+    <p:sldId id="258" r:id="rId4"/>
+    <p:sldId id="259" r:id="rId5"/>
+    <p:sldId id="260" r:id="rId6"/>
   </p:sldIdLst>
   <p:sldSz cx="12192000" cy="6858000"/>
   <p:notesSz cx="6858000" cy="9144000"/>
@@ -105,6 +108,24 @@
       </a:defRPr>
     </a:lvl9pPr>
   </p:defaultTextStyle>
+  <p:extLst>
+    <p:ext uri="{521415D9-36F7-43E2-AB2F-B90AF26B5E84}">
+      <p14:sectionLst xmlns:p14="http://schemas.microsoft.com/office/powerpoint/2010/main">
+        <p14:section name="Section par défaut" id="{E4990BFA-825B-4F68-9D79-86F75CC9B406}">
+          <p14:sldIdLst>
+            <p14:sldId id="256"/>
+            <p14:sldId id="257"/>
+            <p14:sldId id="258"/>
+            <p14:sldId id="259"/>
+            <p14:sldId id="260"/>
+          </p14:sldIdLst>
+        </p14:section>
+      </p14:sectionLst>
+    </p:ext>
+    <p:ext uri="{EFAFB233-063F-42B5-8137-9DF3F51BA10A}">
+      <p15:sldGuideLst xmlns:p15="http://schemas.microsoft.com/office/powerpoint/2012/main"/>
+    </p:ext>
+  </p:extLst>
 </p:presentation>
 </file>
 
@@ -3308,6 +3329,14 @@
 <file path=ppt/slides/slide1.xml><?xml version="1.0" encoding="utf-8"?>
 <p:sld xmlns:a="http://schemas.openxmlformats.org/drawingml/2006/main" xmlns:r="http://schemas.openxmlformats.org/officeDocument/2006/relationships" xmlns:p="http://schemas.openxmlformats.org/presentationml/2006/main">
   <p:cSld>
+    <p:bg>
+      <p:bgPr>
+        <a:solidFill>
+          <a:schemeClr val="bg1"/>
+        </a:solidFill>
+        <a:effectLst/>
+      </p:bgPr>
+    </p:bg>
     <p:spTree>
       <p:nvGrpSpPr>
         <p:cNvPr id="1" name=""/>
@@ -3322,41 +3351,228 @@
           <a:chExt cx="0" cy="0"/>
         </a:xfrm>
       </p:grpSpPr>
-      <p:sp>
-        <p:nvSpPr>
-          <p:cNvPr id="2" name="Titre 1">
-            <a:extLst>
-              <a:ext uri="{FF2B5EF4-FFF2-40B4-BE49-F238E27FC236}">
-                <a16:creationId xmlns:a16="http://schemas.microsoft.com/office/drawing/2014/main" id="{4B0D369D-18E2-F859-DE71-920FBD39A6CF}"/>
-              </a:ext>
-            </a:extLst>
-          </p:cNvPr>
-          <p:cNvSpPr>
-            <a:spLocks noGrp="1"/>
-          </p:cNvSpPr>
-          <p:nvPr>
-            <p:ph type="ctrTitle"/>
+      <p:sp useBgFill="1">
+        <p:nvSpPr>
+          <p:cNvPr id="25" name="Rectangle 24">
+            <a:extLst>
+              <a:ext uri="{FF2B5EF4-FFF2-40B4-BE49-F238E27FC236}">
+                <a16:creationId xmlns:a16="http://schemas.microsoft.com/office/drawing/2014/main" id="{934F1179-B481-4F9E-BCA3-AFB972070F83}"/>
+              </a:ext>
+              <a:ext uri="{C183D7F6-B498-43B3-948B-1728B52AA6E4}">
+                <adec:decorative xmlns:adec="http://schemas.microsoft.com/office/drawing/2017/decorative" val="1"/>
+              </a:ext>
+            </a:extLst>
+          </p:cNvPr>
+          <p:cNvSpPr>
+            <a:spLocks noGrp="1" noRot="1" noChangeAspect="1" noMove="1" noResize="1" noEditPoints="1" noAdjustHandles="1" noChangeArrowheads="1" noChangeShapeType="1" noTextEdit="1"/>
+          </p:cNvSpPr>
+          <p:nvPr>
+            <p:extLst>
+              <p:ext uri="{386F3935-93C4-4BCD-93E2-E3B085C9AB24}">
+                <p16:designElem xmlns:p16="http://schemas.microsoft.com/office/powerpoint/2015/main" val="1"/>
+              </p:ext>
+            </p:extLst>
           </p:nvPr>
         </p:nvSpPr>
         <p:spPr>
           <a:xfrm>
-            <a:off x="1524000" y="1620574"/>
-            <a:ext cx="9144000" cy="1047420"/>
+            <a:off x="0" y="0"/>
+            <a:ext cx="12192000" cy="6858000"/>
+          </a:xfrm>
+          <a:prstGeom prst="rect">
+            <a:avLst/>
+          </a:prstGeom>
+          <a:ln>
+            <a:noFill/>
+          </a:ln>
+        </p:spPr>
+        <p:style>
+          <a:lnRef idx="2">
+            <a:schemeClr val="accent1">
+              <a:shade val="50000"/>
+            </a:schemeClr>
+          </a:lnRef>
+          <a:fillRef idx="1">
+            <a:schemeClr val="accent1"/>
+          </a:fillRef>
+          <a:effectRef idx="0">
+            <a:schemeClr val="accent1"/>
+          </a:effectRef>
+          <a:fontRef idx="minor">
+            <a:schemeClr val="lt1"/>
+          </a:fontRef>
+        </p:style>
+        <p:txBody>
+          <a:bodyPr rtlCol="0" anchor="ctr"/>
+          <a:lstStyle/>
+          <a:p>
+            <a:pPr algn="ctr"/>
+            <a:endParaRPr lang="en-US"/>
+          </a:p>
+        </p:txBody>
+      </p:sp>
+      <p:sp>
+        <p:nvSpPr>
+          <p:cNvPr id="27" name="Right Triangle 26">
+            <a:extLst>
+              <a:ext uri="{FF2B5EF4-FFF2-40B4-BE49-F238E27FC236}">
+                <a16:creationId xmlns:a16="http://schemas.microsoft.com/office/drawing/2014/main" id="{827DC2C4-B485-428A-BF4A-472D2967F47F}"/>
+              </a:ext>
+              <a:ext uri="{C183D7F6-B498-43B3-948B-1728B52AA6E4}">
+                <adec:decorative xmlns:adec="http://schemas.microsoft.com/office/drawing/2017/decorative" val="1"/>
+              </a:ext>
+            </a:extLst>
+          </p:cNvPr>
+          <p:cNvSpPr>
+            <a:spLocks noGrp="1" noRot="1" noChangeAspect="1" noMove="1" noResize="1" noEditPoints="1" noAdjustHandles="1" noChangeArrowheads="1" noChangeShapeType="1" noTextEdit="1"/>
+          </p:cNvSpPr>
+          <p:nvPr>
+            <p:extLst>
+              <p:ext uri="{386F3935-93C4-4BCD-93E2-E3B085C9AB24}">
+                <p16:designElem xmlns:p16="http://schemas.microsoft.com/office/powerpoint/2015/main" val="1"/>
+              </p:ext>
+            </p:extLst>
+          </p:nvPr>
+        </p:nvSpPr>
+        <p:spPr>
+          <a:xfrm flipH="1">
+            <a:off x="8576720" y="3335867"/>
+            <a:ext cx="3291840" cy="3200400"/>
+          </a:xfrm>
+          <a:prstGeom prst="rtTriangle">
+            <a:avLst/>
+          </a:prstGeom>
+          <a:solidFill>
+            <a:schemeClr val="accent4"/>
+          </a:solidFill>
+          <a:ln>
+            <a:noFill/>
+          </a:ln>
+        </p:spPr>
+        <p:style>
+          <a:lnRef idx="2">
+            <a:schemeClr val="accent1">
+              <a:shade val="50000"/>
+            </a:schemeClr>
+          </a:lnRef>
+          <a:fillRef idx="1">
+            <a:schemeClr val="accent1"/>
+          </a:fillRef>
+          <a:effectRef idx="0">
+            <a:schemeClr val="accent1"/>
+          </a:effectRef>
+          <a:fontRef idx="minor">
+            <a:schemeClr val="lt1"/>
+          </a:fontRef>
+        </p:style>
+        <p:txBody>
+          <a:bodyPr rtlCol="0" anchor="ctr"/>
+          <a:lstStyle/>
+          <a:p>
+            <a:pPr algn="ctr"/>
+            <a:endParaRPr lang="en-US" dirty="0"/>
+          </a:p>
+        </p:txBody>
+      </p:sp>
+      <p:sp>
+        <p:nvSpPr>
+          <p:cNvPr id="29" name="Rectangle 28">
+            <a:extLst>
+              <a:ext uri="{FF2B5EF4-FFF2-40B4-BE49-F238E27FC236}">
+                <a16:creationId xmlns:a16="http://schemas.microsoft.com/office/drawing/2014/main" id="{EE04B5EB-F158-4507-90DD-BD23620C7CC9}"/>
+              </a:ext>
+              <a:ext uri="{C183D7F6-B498-43B3-948B-1728B52AA6E4}">
+                <adec:decorative xmlns:adec="http://schemas.microsoft.com/office/drawing/2017/decorative" val="1"/>
+              </a:ext>
+            </a:extLst>
+          </p:cNvPr>
+          <p:cNvSpPr>
+            <a:spLocks noGrp="1" noRot="1" noChangeAspect="1" noMove="1" noResize="1" noEditPoints="1" noAdjustHandles="1" noChangeArrowheads="1" noChangeShapeType="1" noTextEdit="1"/>
+          </p:cNvSpPr>
+          <p:nvPr>
+            <p:extLst>
+              <p:ext uri="{386F3935-93C4-4BCD-93E2-E3B085C9AB24}">
+                <p16:designElem xmlns:p16="http://schemas.microsoft.com/office/powerpoint/2015/main" val="1"/>
+              </p:ext>
+            </p:extLst>
+          </p:nvPr>
+        </p:nvSpPr>
+        <p:spPr>
+          <a:xfrm>
+            <a:off x="641774" y="623275"/>
+            <a:ext cx="10905053" cy="5607882"/>
+          </a:xfrm>
+          <a:prstGeom prst="rect">
+            <a:avLst/>
+          </a:prstGeom>
+          <a:noFill/>
+          <a:ln w="19050">
+            <a:solidFill>
+              <a:schemeClr val="tx1">
+                <a:lumMod val="75000"/>
+                <a:lumOff val="25000"/>
+              </a:schemeClr>
+            </a:solidFill>
+          </a:ln>
+        </p:spPr>
+        <p:style>
+          <a:lnRef idx="2">
+            <a:schemeClr val="accent1">
+              <a:shade val="50000"/>
+            </a:schemeClr>
+          </a:lnRef>
+          <a:fillRef idx="1">
+            <a:schemeClr val="accent1"/>
+          </a:fillRef>
+          <a:effectRef idx="0">
+            <a:schemeClr val="accent1"/>
+          </a:effectRef>
+          <a:fontRef idx="minor">
+            <a:schemeClr val="lt1"/>
+          </a:fontRef>
+        </p:style>
+        <p:txBody>
+          <a:bodyPr rtlCol="0" anchor="ctr"/>
+          <a:lstStyle/>
+          <a:p>
+            <a:pPr algn="ctr"/>
+            <a:endParaRPr lang="en-US"/>
+          </a:p>
+        </p:txBody>
+      </p:sp>
+      <p:sp>
+        <p:nvSpPr>
+          <p:cNvPr id="2" name="Titre 1">
+            <a:extLst>
+              <a:ext uri="{FF2B5EF4-FFF2-40B4-BE49-F238E27FC236}">
+                <a16:creationId xmlns:a16="http://schemas.microsoft.com/office/drawing/2014/main" id="{4B0D369D-18E2-F859-DE71-920FBD39A6CF}"/>
+              </a:ext>
+            </a:extLst>
+          </p:cNvPr>
+          <p:cNvSpPr>
+            <a:spLocks noGrp="1"/>
+          </p:cNvSpPr>
+          <p:nvPr>
+            <p:ph type="ctrTitle"/>
+          </p:nvPr>
+        </p:nvSpPr>
+        <p:spPr>
+          <a:xfrm>
+            <a:off x="1285241" y="1008993"/>
+            <a:ext cx="9231410" cy="3542045"/>
           </a:xfrm>
         </p:spPr>
         <p:txBody>
-          <a:bodyPr/>
-          <a:lstStyle/>
-          <a:p>
-            <a:r>
-              <a:rPr lang="fr-FR" dirty="0"/>
-              <a:t>Projet </a:t>
-            </a:r>
-            <a:r>
-              <a:rPr lang="fr-FR" dirty="0" err="1"/>
-              <a:t>MapsJS</a:t>
-            </a:r>
-            <a:endParaRPr lang="fr-FR" dirty="0"/>
+          <a:bodyPr anchor="b">
+            <a:normAutofit/>
+          </a:bodyPr>
+          <a:lstStyle/>
+          <a:p>
+            <a:pPr algn="l"/>
+            <a:r>
+              <a:rPr lang="fr-FR" sz="11500"/>
+              <a:t>Projet MapsJS</a:t>
+            </a:r>
           </a:p>
         </p:txBody>
       </p:sp>
@@ -3378,31 +3594,35 @@
         </p:nvSpPr>
         <p:spPr>
           <a:xfrm>
-            <a:off x="1524000" y="3420973"/>
-            <a:ext cx="9144000" cy="834160"/>
+            <a:off x="1285241" y="4582814"/>
+            <a:ext cx="7132335" cy="1312657"/>
           </a:xfrm>
         </p:spPr>
         <p:txBody>
-          <a:bodyPr>
-            <a:normAutofit lnSpcReduction="10000"/>
+          <a:bodyPr anchor="t">
+            <a:normAutofit/>
           </a:bodyPr>
           <a:lstStyle/>
           <a:p>
-            <a:r>
-              <a:rPr lang="fr-FR" dirty="0"/>
-              <a:t>Par JulienDel59 &amp; </a:t>
-            </a:r>
-            <a:r>
-              <a:rPr lang="fr-FR" dirty="0" err="1"/>
-              <a:t>Deathur</a:t>
-            </a:r>
-            <a:endParaRPr lang="fr-FR" dirty="0"/>
-          </a:p>
-          <a:p>
-            <a:r>
-              <a:rPr lang="fr-FR" dirty="0"/>
-              <a:t>Lien du projet: https://github.com/Deathur/MapsJS</a:t>
-            </a:r>
+            <a:pPr algn="l"/>
+            <a:r>
+              <a:rPr lang="fr-FR"/>
+              <a:t>Par JulienDel59 &amp; Deathur</a:t>
+            </a:r>
+          </a:p>
+          <a:p>
+            <a:pPr algn="l"/>
+            <a:r>
+              <a:rPr lang="fr-FR"/>
+              <a:t>Lien du projet: </a:t>
+            </a:r>
+            <a:r>
+              <a:rPr lang="fr-FR">
+                <a:hlinkClick r:id="rId2"/>
+              </a:rPr>
+              <a:t>https://github.com/Deathur/MapsJS</a:t>
+            </a:r>
+            <a:endParaRPr lang="fr-FR"/>
           </a:p>
         </p:txBody>
       </p:sp>
@@ -3416,12 +3636,223 @@
   <p:clrMapOvr>
     <a:masterClrMapping/>
   </p:clrMapOvr>
+  <p:timing>
+    <p:tnLst>
+      <p:par>
+        <p:cTn id="1" dur="indefinite" restart="never" nodeType="tmRoot">
+          <p:childTnLst>
+            <p:seq concurrent="1" nextAc="seek">
+              <p:cTn id="2" dur="indefinite" nodeType="mainSeq">
+                <p:childTnLst>
+                  <p:par>
+                    <p:cTn id="3" fill="hold">
+                      <p:stCondLst>
+                        <p:cond delay="indefinite"/>
+                        <p:cond evt="onBegin" delay="0">
+                          <p:tn val="2"/>
+                        </p:cond>
+                      </p:stCondLst>
+                      <p:childTnLst>
+                        <p:par>
+                          <p:cTn id="4" fill="hold">
+                            <p:stCondLst>
+                              <p:cond delay="0"/>
+                            </p:stCondLst>
+                            <p:childTnLst>
+                              <p:par>
+                                <p:cTn id="5" presetID="10" presetClass="entr" presetSubtype="0" fill="hold" grpId="0" nodeType="withEffect">
+                                  <p:stCondLst>
+                                    <p:cond delay="500"/>
+                                  </p:stCondLst>
+                                  <p:iterate type="wd">
+                                    <p:tmPct val="15000"/>
+                                  </p:iterate>
+                                  <p:childTnLst>
+                                    <p:set>
+                                      <p:cBhvr>
+                                        <p:cTn id="6" dur="1" fill="hold">
+                                          <p:stCondLst>
+                                            <p:cond delay="0"/>
+                                          </p:stCondLst>
+                                        </p:cTn>
+                                        <p:tgtEl>
+                                          <p:spTgt spid="2"/>
+                                        </p:tgtEl>
+                                        <p:attrNameLst>
+                                          <p:attrName>style.visibility</p:attrName>
+                                        </p:attrNameLst>
+                                      </p:cBhvr>
+                                      <p:to>
+                                        <p:strVal val="visible"/>
+                                      </p:to>
+                                    </p:set>
+                                    <p:animEffect transition="in" filter="fade">
+                                      <p:cBhvr>
+                                        <p:cTn id="7" dur="1000"/>
+                                        <p:tgtEl>
+                                          <p:spTgt spid="2"/>
+                                        </p:tgtEl>
+                                      </p:cBhvr>
+                                    </p:animEffect>
+                                  </p:childTnLst>
+                                </p:cTn>
+                              </p:par>
+                              <p:par>
+                                <p:cTn id="8" presetID="10" presetClass="entr" presetSubtype="0" fill="hold" grpId="0" nodeType="withEffect">
+                                  <p:stCondLst>
+                                    <p:cond delay="1000"/>
+                                  </p:stCondLst>
+                                  <p:iterate type="wd">
+                                    <p:tmPct val="15000"/>
+                                  </p:iterate>
+                                  <p:childTnLst>
+                                    <p:set>
+                                      <p:cBhvr>
+                                        <p:cTn id="9" dur="1" fill="hold">
+                                          <p:stCondLst>
+                                            <p:cond delay="0"/>
+                                          </p:stCondLst>
+                                        </p:cTn>
+                                        <p:tgtEl>
+                                          <p:spTgt spid="3">
+                                            <p:txEl>
+                                              <p:pRg st="0" end="0"/>
+                                            </p:txEl>
+                                          </p:spTgt>
+                                        </p:tgtEl>
+                                        <p:attrNameLst>
+                                          <p:attrName>style.visibility</p:attrName>
+                                        </p:attrNameLst>
+                                      </p:cBhvr>
+                                      <p:to>
+                                        <p:strVal val="visible"/>
+                                      </p:to>
+                                    </p:set>
+                                    <p:animEffect transition="in" filter="fade">
+                                      <p:cBhvr>
+                                        <p:cTn id="10" dur="1000"/>
+                                        <p:tgtEl>
+                                          <p:spTgt spid="3">
+                                            <p:txEl>
+                                              <p:pRg st="0" end="0"/>
+                                            </p:txEl>
+                                          </p:spTgt>
+                                        </p:tgtEl>
+                                      </p:cBhvr>
+                                    </p:animEffect>
+                                  </p:childTnLst>
+                                </p:cTn>
+                              </p:par>
+                            </p:childTnLst>
+                          </p:cTn>
+                        </p:par>
+                      </p:childTnLst>
+                    </p:cTn>
+                  </p:par>
+                  <p:par>
+                    <p:cTn id="11" fill="hold">
+                      <p:stCondLst>
+                        <p:cond delay="indefinite"/>
+                      </p:stCondLst>
+                      <p:childTnLst>
+                        <p:par>
+                          <p:cTn id="12" fill="hold">
+                            <p:stCondLst>
+                              <p:cond delay="0"/>
+                            </p:stCondLst>
+                            <p:childTnLst>
+                              <p:par>
+                                <p:cTn id="13" presetID="10" presetClass="entr" presetSubtype="0" fill="hold" grpId="0" nodeType="clickEffect">
+                                  <p:stCondLst>
+                                    <p:cond delay="1000"/>
+                                  </p:stCondLst>
+                                  <p:iterate type="wd">
+                                    <p:tmPct val="15000"/>
+                                  </p:iterate>
+                                  <p:childTnLst>
+                                    <p:set>
+                                      <p:cBhvr>
+                                        <p:cTn id="14" dur="1" fill="hold">
+                                          <p:stCondLst>
+                                            <p:cond delay="0"/>
+                                          </p:stCondLst>
+                                        </p:cTn>
+                                        <p:tgtEl>
+                                          <p:spTgt spid="3">
+                                            <p:txEl>
+                                              <p:pRg st="1" end="1"/>
+                                            </p:txEl>
+                                          </p:spTgt>
+                                        </p:tgtEl>
+                                        <p:attrNameLst>
+                                          <p:attrName>style.visibility</p:attrName>
+                                        </p:attrNameLst>
+                                      </p:cBhvr>
+                                      <p:to>
+                                        <p:strVal val="visible"/>
+                                      </p:to>
+                                    </p:set>
+                                    <p:animEffect transition="in" filter="fade">
+                                      <p:cBhvr>
+                                        <p:cTn id="15" dur="1000"/>
+                                        <p:tgtEl>
+                                          <p:spTgt spid="3">
+                                            <p:txEl>
+                                              <p:pRg st="1" end="1"/>
+                                            </p:txEl>
+                                          </p:spTgt>
+                                        </p:tgtEl>
+                                      </p:cBhvr>
+                                    </p:animEffect>
+                                  </p:childTnLst>
+                                </p:cTn>
+                              </p:par>
+                            </p:childTnLst>
+                          </p:cTn>
+                        </p:par>
+                      </p:childTnLst>
+                    </p:cTn>
+                  </p:par>
+                </p:childTnLst>
+              </p:cTn>
+              <p:prevCondLst>
+                <p:cond evt="onPrev" delay="0">
+                  <p:tgtEl>
+                    <p:sldTgt/>
+                  </p:tgtEl>
+                </p:cond>
+              </p:prevCondLst>
+              <p:nextCondLst>
+                <p:cond evt="onNext" delay="0">
+                  <p:tgtEl>
+                    <p:sldTgt/>
+                  </p:tgtEl>
+                </p:cond>
+              </p:nextCondLst>
+            </p:seq>
+          </p:childTnLst>
+        </p:cTn>
+      </p:par>
+    </p:tnLst>
+    <p:bldLst>
+      <p:bldP spid="2" grpId="0"/>
+      <p:bldP spid="3" grpId="0" build="p"/>
+    </p:bldLst>
+  </p:timing>
 </p:sld>
 </file>
 
 <file path=ppt/slides/slide2.xml><?xml version="1.0" encoding="utf-8"?>
 <p:sld xmlns:a="http://schemas.openxmlformats.org/drawingml/2006/main" xmlns:r="http://schemas.openxmlformats.org/officeDocument/2006/relationships" xmlns:p="http://schemas.openxmlformats.org/presentationml/2006/main">
   <p:cSld>
+    <p:bg>
+      <p:bgPr>
+        <a:solidFill>
+          <a:schemeClr val="bg1"/>
+        </a:solidFill>
+        <a:effectLst/>
+      </p:bgPr>
+    </p:bg>
     <p:spTree>
       <p:nvGrpSpPr>
         <p:cNvPr id="1" name=""/>
@@ -3436,6 +3867,254 @@
           <a:chExt cx="0" cy="0"/>
         </a:xfrm>
       </p:grpSpPr>
+      <p:sp useBgFill="1">
+        <p:nvSpPr>
+          <p:cNvPr id="14" name="Rectangle 13">
+            <a:extLst>
+              <a:ext uri="{FF2B5EF4-FFF2-40B4-BE49-F238E27FC236}">
+                <a16:creationId xmlns:a16="http://schemas.microsoft.com/office/drawing/2014/main" id="{2EB492CD-616E-47F8-933B-5E2D952A0593}"/>
+              </a:ext>
+              <a:ext uri="{C183D7F6-B498-43B3-948B-1728B52AA6E4}">
+                <adec:decorative xmlns:adec="http://schemas.microsoft.com/office/drawing/2017/decorative" val="1"/>
+              </a:ext>
+            </a:extLst>
+          </p:cNvPr>
+          <p:cNvSpPr>
+            <a:spLocks noGrp="1" noRot="1" noChangeAspect="1" noMove="1" noResize="1" noEditPoints="1" noAdjustHandles="1" noChangeArrowheads="1" noChangeShapeType="1" noTextEdit="1"/>
+          </p:cNvSpPr>
+          <p:nvPr>
+            <p:extLst>
+              <p:ext uri="{386F3935-93C4-4BCD-93E2-E3B085C9AB24}">
+                <p16:designElem xmlns:p16="http://schemas.microsoft.com/office/powerpoint/2015/main" val="1"/>
+              </p:ext>
+            </p:extLst>
+          </p:nvPr>
+        </p:nvSpPr>
+        <p:spPr bwMode="white">
+          <a:xfrm>
+            <a:off x="0" y="0"/>
+            <a:ext cx="12192000" cy="6858000"/>
+          </a:xfrm>
+          <a:prstGeom prst="rect">
+            <a:avLst/>
+          </a:prstGeom>
+          <a:ln>
+            <a:noFill/>
+          </a:ln>
+        </p:spPr>
+        <p:style>
+          <a:lnRef idx="2">
+            <a:schemeClr val="accent1">
+              <a:shade val="50000"/>
+            </a:schemeClr>
+          </a:lnRef>
+          <a:fillRef idx="1">
+            <a:schemeClr val="accent1"/>
+          </a:fillRef>
+          <a:effectRef idx="0">
+            <a:schemeClr val="accent1"/>
+          </a:effectRef>
+          <a:fontRef idx="minor">
+            <a:schemeClr val="lt1"/>
+          </a:fontRef>
+        </p:style>
+        <p:txBody>
+          <a:bodyPr rtlCol="0" anchor="ctr"/>
+          <a:lstStyle>
+            <a:defPPr>
+              <a:defRPr lang="en-US"/>
+            </a:defPPr>
+            <a:lvl1pPr marL="0" algn="l" defTabSz="914400" rtl="0" eaLnBrk="1" latinLnBrk="0" hangingPunct="1">
+              <a:defRPr sz="1800" kern="1200">
+                <a:solidFill>
+                  <a:schemeClr val="lt1"/>
+                </a:solidFill>
+                <a:latin typeface="+mn-lt"/>
+                <a:ea typeface="+mn-ea"/>
+                <a:cs typeface="+mn-cs"/>
+              </a:defRPr>
+            </a:lvl1pPr>
+            <a:lvl2pPr marL="457200" algn="l" defTabSz="914400" rtl="0" eaLnBrk="1" latinLnBrk="0" hangingPunct="1">
+              <a:defRPr sz="1800" kern="1200">
+                <a:solidFill>
+                  <a:schemeClr val="lt1"/>
+                </a:solidFill>
+                <a:latin typeface="+mn-lt"/>
+                <a:ea typeface="+mn-ea"/>
+                <a:cs typeface="+mn-cs"/>
+              </a:defRPr>
+            </a:lvl2pPr>
+            <a:lvl3pPr marL="914400" algn="l" defTabSz="914400" rtl="0" eaLnBrk="1" latinLnBrk="0" hangingPunct="1">
+              <a:defRPr sz="1800" kern="1200">
+                <a:solidFill>
+                  <a:schemeClr val="lt1"/>
+                </a:solidFill>
+                <a:latin typeface="+mn-lt"/>
+                <a:ea typeface="+mn-ea"/>
+                <a:cs typeface="+mn-cs"/>
+              </a:defRPr>
+            </a:lvl3pPr>
+            <a:lvl4pPr marL="1371600" algn="l" defTabSz="914400" rtl="0" eaLnBrk="1" latinLnBrk="0" hangingPunct="1">
+              <a:defRPr sz="1800" kern="1200">
+                <a:solidFill>
+                  <a:schemeClr val="lt1"/>
+                </a:solidFill>
+                <a:latin typeface="+mn-lt"/>
+                <a:ea typeface="+mn-ea"/>
+                <a:cs typeface="+mn-cs"/>
+              </a:defRPr>
+            </a:lvl4pPr>
+            <a:lvl5pPr marL="1828800" algn="l" defTabSz="914400" rtl="0" eaLnBrk="1" latinLnBrk="0" hangingPunct="1">
+              <a:defRPr sz="1800" kern="1200">
+                <a:solidFill>
+                  <a:schemeClr val="lt1"/>
+                </a:solidFill>
+                <a:latin typeface="+mn-lt"/>
+                <a:ea typeface="+mn-ea"/>
+                <a:cs typeface="+mn-cs"/>
+              </a:defRPr>
+            </a:lvl5pPr>
+            <a:lvl6pPr marL="2286000" algn="l" defTabSz="914400" rtl="0" eaLnBrk="1" latinLnBrk="0" hangingPunct="1">
+              <a:defRPr sz="1800" kern="1200">
+                <a:solidFill>
+                  <a:schemeClr val="lt1"/>
+                </a:solidFill>
+                <a:latin typeface="+mn-lt"/>
+                <a:ea typeface="+mn-ea"/>
+                <a:cs typeface="+mn-cs"/>
+              </a:defRPr>
+            </a:lvl6pPr>
+            <a:lvl7pPr marL="2743200" algn="l" defTabSz="914400" rtl="0" eaLnBrk="1" latinLnBrk="0" hangingPunct="1">
+              <a:defRPr sz="1800" kern="1200">
+                <a:solidFill>
+                  <a:schemeClr val="lt1"/>
+                </a:solidFill>
+                <a:latin typeface="+mn-lt"/>
+                <a:ea typeface="+mn-ea"/>
+                <a:cs typeface="+mn-cs"/>
+              </a:defRPr>
+            </a:lvl7pPr>
+            <a:lvl8pPr marL="3200400" algn="l" defTabSz="914400" rtl="0" eaLnBrk="1" latinLnBrk="0" hangingPunct="1">
+              <a:defRPr sz="1800" kern="1200">
+                <a:solidFill>
+                  <a:schemeClr val="lt1"/>
+                </a:solidFill>
+                <a:latin typeface="+mn-lt"/>
+                <a:ea typeface="+mn-ea"/>
+                <a:cs typeface="+mn-cs"/>
+              </a:defRPr>
+            </a:lvl8pPr>
+            <a:lvl9pPr marL="3657600" algn="l" defTabSz="914400" rtl="0" eaLnBrk="1" latinLnBrk="0" hangingPunct="1">
+              <a:defRPr sz="1800" kern="1200">
+                <a:solidFill>
+                  <a:schemeClr val="lt1"/>
+                </a:solidFill>
+                <a:latin typeface="+mn-lt"/>
+                <a:ea typeface="+mn-ea"/>
+                <a:cs typeface="+mn-cs"/>
+              </a:defRPr>
+            </a:lvl9pPr>
+          </a:lstStyle>
+          <a:p>
+            <a:pPr algn="ctr"/>
+            <a:endParaRPr lang="en-US"/>
+          </a:p>
+        </p:txBody>
+      </p:sp>
+      <p:sp>
+        <p:nvSpPr>
+          <p:cNvPr id="16" name="Arc 15">
+            <a:extLst>
+              <a:ext uri="{FF2B5EF4-FFF2-40B4-BE49-F238E27FC236}">
+                <a16:creationId xmlns:a16="http://schemas.microsoft.com/office/drawing/2014/main" id="{59383CF9-23B5-4335-9B21-1791C4CF1C75}"/>
+              </a:ext>
+              <a:ext uri="{C183D7F6-B498-43B3-948B-1728B52AA6E4}">
+                <adec:decorative xmlns:adec="http://schemas.microsoft.com/office/drawing/2017/decorative" val="1"/>
+              </a:ext>
+            </a:extLst>
+          </p:cNvPr>
+          <p:cNvSpPr>
+            <a:spLocks noGrp="1" noRot="1" noChangeAspect="1" noMove="1" noResize="1" noEditPoints="1" noAdjustHandles="1" noChangeArrowheads="1" noChangeShapeType="1" noTextEdit="1"/>
+          </p:cNvSpPr>
+          <p:nvPr>
+            <p:extLst>
+              <p:ext uri="{386F3935-93C4-4BCD-93E2-E3B085C9AB24}">
+                <p16:designElem xmlns:p16="http://schemas.microsoft.com/office/powerpoint/2015/main" val="1"/>
+              </p:ext>
+            </p:extLst>
+          </p:nvPr>
+        </p:nvSpPr>
+        <p:spPr>
+          <a:xfrm rot="3967198" flipH="1">
+            <a:off x="8631348" y="490493"/>
+            <a:ext cx="2987899" cy="2987899"/>
+          </a:xfrm>
+          <a:prstGeom prst="arc">
+            <a:avLst>
+              <a:gd name="adj1" fmla="val 14441841"/>
+              <a:gd name="adj2" fmla="val 0"/>
+            </a:avLst>
+          </a:prstGeom>
+          <a:ln w="127000" cap="rnd">
+            <a:solidFill>
+              <a:schemeClr val="accent4"/>
+            </a:solidFill>
+            <a:prstDash val="dash"/>
+            <a:miter lim="800000"/>
+          </a:ln>
+        </p:spPr>
+        <p:style>
+          <a:lnRef idx="1">
+            <a:schemeClr val="accent1"/>
+          </a:lnRef>
+          <a:fillRef idx="0">
+            <a:schemeClr val="accent1"/>
+          </a:fillRef>
+          <a:effectRef idx="0">
+            <a:schemeClr val="accent1"/>
+          </a:effectRef>
+          <a:fontRef idx="minor">
+            <a:schemeClr val="tx1"/>
+          </a:fontRef>
+        </p:style>
+        <p:txBody>
+          <a:bodyPr rtlCol="0" anchor="ctr"/>
+          <a:lstStyle/>
+          <a:p>
+            <a:pPr marL="0" marR="0" lvl="0" indent="0" algn="ctr" defTabSz="914400" rtl="0" eaLnBrk="1" fontAlgn="auto" latinLnBrk="0" hangingPunct="1">
+              <a:lnSpc>
+                <a:spcPct val="100000"/>
+              </a:lnSpc>
+              <a:spcBef>
+                <a:spcPts val="0"/>
+              </a:spcBef>
+              <a:spcAft>
+                <a:spcPts val="0"/>
+              </a:spcAft>
+              <a:buClrTx/>
+              <a:buSzTx/>
+              <a:buFontTx/>
+              <a:buNone/>
+              <a:tabLst/>
+              <a:defRPr/>
+            </a:pPr>
+            <a:endParaRPr kumimoji="0" lang="en-US" sz="1800" b="0" i="0" u="none" strike="noStrike" kern="1200" cap="none" spc="0" normalizeH="0" baseline="0" noProof="0">
+              <a:ln>
+                <a:noFill/>
+              </a:ln>
+              <a:solidFill>
+                <a:srgbClr val="000000"/>
+              </a:solidFill>
+              <a:effectLst/>
+              <a:uLnTx/>
+              <a:uFillTx/>
+              <a:latin typeface="Calibri" panose="020F0502020204030204"/>
+              <a:ea typeface="+mn-ea"/>
+              <a:cs typeface="+mn-cs"/>
+            </a:endParaRPr>
+          </a:p>
+        </p:txBody>
+      </p:sp>
       <p:sp>
         <p:nvSpPr>
           <p:cNvPr id="2" name="Titre 1">
@@ -3454,63 +4133,270 @@
         </p:nvSpPr>
         <p:spPr>
           <a:xfrm>
-            <a:off x="838200" y="854012"/>
-            <a:ext cx="10515600" cy="1325563"/>
+            <a:off x="5894962" y="479493"/>
+            <a:ext cx="5458838" cy="1325563"/>
           </a:xfrm>
         </p:spPr>
         <p:txBody>
-          <a:bodyPr/>
+          <a:bodyPr>
+            <a:normAutofit/>
+          </a:bodyPr>
+          <a:lstStyle/>
+          <a:p>
+            <a:r>
+              <a:rPr lang="fr-FR"/>
+              <a:t>Objectif du projet &amp; API</a:t>
+            </a:r>
+          </a:p>
+        </p:txBody>
+      </p:sp>
+      <p:sp>
+        <p:nvSpPr>
+          <p:cNvPr id="18" name="Freeform: Shape 17">
+            <a:extLst>
+              <a:ext uri="{FF2B5EF4-FFF2-40B4-BE49-F238E27FC236}">
+                <a16:creationId xmlns:a16="http://schemas.microsoft.com/office/drawing/2014/main" id="{0007FE00-9498-4706-B255-6437B0252C02}"/>
+              </a:ext>
+              <a:ext uri="{C183D7F6-B498-43B3-948B-1728B52AA6E4}">
+                <adec:decorative xmlns:adec="http://schemas.microsoft.com/office/drawing/2017/decorative" val="1"/>
+              </a:ext>
+            </a:extLst>
+          </p:cNvPr>
+          <p:cNvSpPr>
+            <a:spLocks noGrp="1" noRot="1" noChangeAspect="1" noMove="1" noResize="1" noEditPoints="1" noAdjustHandles="1" noChangeArrowheads="1" noChangeShapeType="1" noTextEdit="1"/>
+          </p:cNvSpPr>
+          <p:nvPr>
+            <p:extLst>
+              <p:ext uri="{386F3935-93C4-4BCD-93E2-E3B085C9AB24}">
+                <p16:designElem xmlns:p16="http://schemas.microsoft.com/office/powerpoint/2015/main" val="1"/>
+              </p:ext>
+            </p:extLst>
+          </p:nvPr>
+        </p:nvSpPr>
+        <p:spPr>
+          <a:xfrm flipH="1">
+            <a:off x="0" y="5486400"/>
+            <a:ext cx="2672863" cy="1371600"/>
+          </a:xfrm>
+          <a:custGeom>
+            <a:avLst/>
+            <a:gdLst>
+              <a:gd name="connsiteX0" fmla="*/ 1721734 w 2672863"/>
+              <a:gd name="connsiteY0" fmla="*/ 0 h 1371600"/>
+              <a:gd name="connsiteX1" fmla="*/ 2564444 w 2672863"/>
+              <a:gd name="connsiteY1" fmla="*/ 213382 h 1371600"/>
+              <a:gd name="connsiteX2" fmla="*/ 2672863 w 2672863"/>
+              <a:gd name="connsiteY2" fmla="*/ 279248 h 1371600"/>
+              <a:gd name="connsiteX3" fmla="*/ 2672863 w 2672863"/>
+              <a:gd name="connsiteY3" fmla="*/ 1371600 h 1371600"/>
+              <a:gd name="connsiteX4" fmla="*/ 0 w 2672863"/>
+              <a:gd name="connsiteY4" fmla="*/ 1371600 h 1371600"/>
+              <a:gd name="connsiteX5" fmla="*/ 33268 w 2672863"/>
+              <a:gd name="connsiteY5" fmla="*/ 1242216 h 1371600"/>
+              <a:gd name="connsiteX6" fmla="*/ 1721734 w 2672863"/>
+              <a:gd name="connsiteY6" fmla="*/ 0 h 1371600"/>
+            </a:gdLst>
+            <a:ahLst/>
+            <a:cxnLst>
+              <a:cxn ang="0">
+                <a:pos x="connsiteX0" y="connsiteY0"/>
+              </a:cxn>
+              <a:cxn ang="0">
+                <a:pos x="connsiteX1" y="connsiteY1"/>
+              </a:cxn>
+              <a:cxn ang="0">
+                <a:pos x="connsiteX2" y="connsiteY2"/>
+              </a:cxn>
+              <a:cxn ang="0">
+                <a:pos x="connsiteX3" y="connsiteY3"/>
+              </a:cxn>
+              <a:cxn ang="0">
+                <a:pos x="connsiteX4" y="connsiteY4"/>
+              </a:cxn>
+              <a:cxn ang="0">
+                <a:pos x="connsiteX5" y="connsiteY5"/>
+              </a:cxn>
+              <a:cxn ang="0">
+                <a:pos x="connsiteX6" y="connsiteY6"/>
+              </a:cxn>
+            </a:cxnLst>
+            <a:rect l="l" t="t" r="r" b="b"/>
+            <a:pathLst>
+              <a:path w="2672863" h="1371600">
+                <a:moveTo>
+                  <a:pt x="1721734" y="0"/>
+                </a:moveTo>
+                <a:cubicBezTo>
+                  <a:pt x="2026863" y="0"/>
+                  <a:pt x="2313937" y="77299"/>
+                  <a:pt x="2564444" y="213382"/>
+                </a:cubicBezTo>
+                <a:lnTo>
+                  <a:pt x="2672863" y="279248"/>
+                </a:lnTo>
+                <a:lnTo>
+                  <a:pt x="2672863" y="1371600"/>
+                </a:lnTo>
+                <a:lnTo>
+                  <a:pt x="0" y="1371600"/>
+                </a:lnTo>
+                <a:lnTo>
+                  <a:pt x="33268" y="1242216"/>
+                </a:lnTo>
+                <a:cubicBezTo>
+                  <a:pt x="257110" y="522539"/>
+                  <a:pt x="928399" y="0"/>
+                  <a:pt x="1721734" y="0"/>
+                </a:cubicBezTo>
+                <a:close/>
+              </a:path>
+            </a:pathLst>
+          </a:custGeom>
+          <a:solidFill>
+            <a:schemeClr val="accent4"/>
+          </a:solidFill>
+          <a:ln>
+            <a:noFill/>
+          </a:ln>
+        </p:spPr>
+        <p:style>
+          <a:lnRef idx="2">
+            <a:schemeClr val="accent1">
+              <a:shade val="50000"/>
+            </a:schemeClr>
+          </a:lnRef>
+          <a:fillRef idx="1">
+            <a:schemeClr val="accent1"/>
+          </a:fillRef>
+          <a:effectRef idx="0">
+            <a:schemeClr val="accent1"/>
+          </a:effectRef>
+          <a:fontRef idx="minor">
+            <a:schemeClr val="lt1"/>
+          </a:fontRef>
+        </p:style>
+        <p:txBody>
+          <a:bodyPr wrap="square" rtlCol="0" anchor="ctr">
+            <a:noAutofit/>
+          </a:bodyPr>
           <a:lstStyle/>
           <a:p>
             <a:pPr algn="ctr"/>
-            <a:r>
-              <a:rPr lang="fr-FR" dirty="0"/>
-              <a:t>Objectif du projet </a:t>
-            </a:r>
-            <a:r>
-              <a:rPr lang="fr-FR"/>
-              <a:t>&amp; API</a:t>
-            </a:r>
-            <a:endParaRPr lang="fr-FR" dirty="0"/>
-          </a:p>
-        </p:txBody>
-      </p:sp>
-      <p:sp>
-        <p:nvSpPr>
-          <p:cNvPr id="3" name="Espace réservé du contenu 2">
-            <a:extLst>
-              <a:ext uri="{FF2B5EF4-FFF2-40B4-BE49-F238E27FC236}">
-                <a16:creationId xmlns:a16="http://schemas.microsoft.com/office/drawing/2014/main" id="{16CD1ADD-FA0E-DB99-D8F4-065623ED4E39}"/>
-              </a:ext>
-            </a:extLst>
-          </p:cNvPr>
-          <p:cNvSpPr>
-            <a:spLocks noGrp="1"/>
-          </p:cNvSpPr>
-          <p:nvPr>
-            <p:ph idx="1"/>
-          </p:nvPr>
-        </p:nvSpPr>
+            <a:endParaRPr lang="en-US"/>
+          </a:p>
+        </p:txBody>
+      </p:sp>
+      <p:pic>
+        <p:nvPicPr>
+          <p:cNvPr id="5" name="Picture 4" descr="Un drapeau de localisation sur un plan de ville">
+            <a:extLst>
+              <a:ext uri="{FF2B5EF4-FFF2-40B4-BE49-F238E27FC236}">
+                <a16:creationId xmlns:a16="http://schemas.microsoft.com/office/drawing/2014/main" id="{D030B149-17AE-016A-93BD-D7CC809FD085}"/>
+              </a:ext>
+            </a:extLst>
+          </p:cNvPr>
+          <p:cNvPicPr>
+            <a:picLocks noChangeAspect="1"/>
+          </p:cNvPicPr>
+          <p:nvPr/>
+        </p:nvPicPr>
+        <p:blipFill>
+          <a:blip r:embed="rId2"/>
+          <a:srcRect l="2745" r="45418" b="-1"/>
+          <a:stretch>
+            <a:fillRect/>
+          </a:stretch>
+        </p:blipFill>
         <p:spPr>
           <a:xfrm>
-            <a:off x="838200" y="2179574"/>
-            <a:ext cx="10515600" cy="4085423"/>
+            <a:off x="891959" y="511293"/>
+            <a:ext cx="4399827" cy="5665670"/>
+          </a:xfrm>
+          <a:custGeom>
+            <a:avLst/>
+            <a:gdLst/>
+            <a:ahLst/>
+            <a:cxnLst/>
+            <a:rect l="l" t="t" r="r" b="b"/>
+            <a:pathLst>
+              <a:path w="4777381" h="5643794">
+                <a:moveTo>
+                  <a:pt x="143704" y="0"/>
+                </a:moveTo>
+                <a:lnTo>
+                  <a:pt x="4633677" y="0"/>
+                </a:lnTo>
+                <a:cubicBezTo>
+                  <a:pt x="4713043" y="0"/>
+                  <a:pt x="4777381" y="64338"/>
+                  <a:pt x="4777381" y="143704"/>
+                </a:cubicBezTo>
+                <a:lnTo>
+                  <a:pt x="4777381" y="5500090"/>
+                </a:lnTo>
+                <a:cubicBezTo>
+                  <a:pt x="4777381" y="5579456"/>
+                  <a:pt x="4713043" y="5643794"/>
+                  <a:pt x="4633677" y="5643794"/>
+                </a:cubicBezTo>
+                <a:lnTo>
+                  <a:pt x="143704" y="5643794"/>
+                </a:lnTo>
+                <a:cubicBezTo>
+                  <a:pt x="64338" y="5643794"/>
+                  <a:pt x="0" y="5579456"/>
+                  <a:pt x="0" y="5500090"/>
+                </a:cubicBezTo>
+                <a:lnTo>
+                  <a:pt x="0" y="143704"/>
+                </a:lnTo>
+                <a:cubicBezTo>
+                  <a:pt x="0" y="64338"/>
+                  <a:pt x="64338" y="0"/>
+                  <a:pt x="143704" y="0"/>
+                </a:cubicBezTo>
+                <a:close/>
+              </a:path>
+            </a:pathLst>
+          </a:custGeom>
+        </p:spPr>
+      </p:pic>
+      <p:sp>
+        <p:nvSpPr>
+          <p:cNvPr id="3" name="Espace réservé du contenu 2">
+            <a:extLst>
+              <a:ext uri="{FF2B5EF4-FFF2-40B4-BE49-F238E27FC236}">
+                <a16:creationId xmlns:a16="http://schemas.microsoft.com/office/drawing/2014/main" id="{16CD1ADD-FA0E-DB99-D8F4-065623ED4E39}"/>
+              </a:ext>
+            </a:extLst>
+          </p:cNvPr>
+          <p:cNvSpPr>
+            <a:spLocks noGrp="1"/>
+          </p:cNvSpPr>
+          <p:nvPr>
+            <p:ph idx="1"/>
+          </p:nvPr>
+        </p:nvSpPr>
+        <p:spPr>
+          <a:xfrm>
+            <a:off x="5894962" y="1984443"/>
+            <a:ext cx="5458838" cy="4192520"/>
           </a:xfrm>
         </p:spPr>
         <p:txBody>
           <a:bodyPr>
-            <a:normAutofit lnSpcReduction="10000"/>
+            <a:normAutofit/>
           </a:bodyPr>
           <a:lstStyle/>
           <a:p>
             <a:r>
-              <a:rPr lang="fr-FR" dirty="0"/>
+              <a:rPr lang="fr-FR" sz="2000"/>
               <a:t>Utiliser différents API pour créer une carte interactive donnant la ville à l’endroit ou on clique.</a:t>
             </a:r>
           </a:p>
           <a:p>
             <a:r>
-              <a:rPr lang="fr-FR" dirty="0"/>
+              <a:rPr lang="fr-FR" sz="2000"/>
               <a:t>Donner la météo de la ville correspondante.</a:t>
             </a:r>
           </a:p>
@@ -3519,7 +4405,7 @@
               <a:buNone/>
             </a:pPr>
             <a:r>
-              <a:rPr lang="fr-FR" dirty="0"/>
+              <a:rPr lang="fr-FR" sz="2000"/>
               <a:t>API utilisée</a:t>
             </a:r>
           </a:p>
@@ -3528,25 +4414,17 @@
               <a:buNone/>
             </a:pPr>
             <a:r>
-              <a:rPr lang="fr-FR" dirty="0"/>
-              <a:t>- </a:t>
-            </a:r>
-            <a:r>
-              <a:rPr lang="fr-FR" dirty="0" err="1"/>
-              <a:t>leaflet</a:t>
-            </a:r>
-            <a:r>
-              <a:rPr lang="fr-FR" dirty="0"/>
-              <a:t> : </a:t>
-            </a:r>
-            <a:r>
-              <a:rPr lang="fr-FR" dirty="0">
-                <a:hlinkClick r:id="rId2" tooltip="https://leafletjs.com/"/>
+              <a:rPr lang="fr-FR" sz="2000"/>
+              <a:t>- leaflet : </a:t>
+            </a:r>
+            <a:r>
+              <a:rPr lang="fr-FR" sz="2000">
+                <a:hlinkClick r:id="rId3" tooltip="https://leafletjs.com/"/>
               </a:rPr>
               <a:t>https://leafletjs.com/</a:t>
             </a:r>
             <a:r>
-              <a:rPr lang="fr-FR" dirty="0"/>
+              <a:rPr lang="fr-FR" sz="2000"/>
               <a:t> </a:t>
             </a:r>
           </a:p>
@@ -3555,33 +4433,17 @@
               <a:buNone/>
             </a:pPr>
             <a:r>
-              <a:rPr lang="fr-FR" dirty="0"/>
-              <a:t>- </a:t>
-            </a:r>
-            <a:r>
-              <a:rPr lang="fr-FR" dirty="0" err="1"/>
-              <a:t>Nominatim</a:t>
-            </a:r>
-            <a:r>
-              <a:rPr lang="fr-FR" dirty="0"/>
-              <a:t> (</a:t>
-            </a:r>
-            <a:r>
-              <a:rPr lang="fr-FR" dirty="0" err="1"/>
-              <a:t>OpenStreetMap</a:t>
-            </a:r>
-            <a:r>
-              <a:rPr lang="fr-FR" dirty="0"/>
-              <a:t>) : </a:t>
-            </a:r>
-            <a:r>
-              <a:rPr lang="fr-FR" dirty="0">
-                <a:hlinkClick r:id="rId3" tooltip="https://nominatim.org/release-docs/latest/api/Reverse/"/>
+              <a:rPr lang="fr-FR" sz="2000"/>
+              <a:t>- Nominatim (OpenStreetMap) : </a:t>
+            </a:r>
+            <a:r>
+              <a:rPr lang="fr-FR" sz="2000">
+                <a:hlinkClick r:id="rId4" tooltip="https://nominatim.org/release-docs/latest/api/Reverse/"/>
               </a:rPr>
               <a:t>https://nominatim.org/release-docs/latest/api/Reverse/</a:t>
             </a:r>
             <a:r>
-              <a:rPr lang="fr-FR" dirty="0"/>
+              <a:rPr lang="fr-FR" sz="2000"/>
               <a:t> </a:t>
             </a:r>
           </a:p>
@@ -3590,8 +4452,8 @@
               <a:buNone/>
             </a:pPr>
             <a:r>
-              <a:rPr lang="fr-FR" dirty="0">
-                <a:hlinkClick r:id="rId4" tooltip="https://goweather.xyz/weather/$%7BnomDeLaVille%7D">
+              <a:rPr lang="fr-FR" sz="2000">
+                <a:hlinkClick r:id="rId5" tooltip="https://goweather.xyz/weather/$%7BnomDeLaVille%7D">
                   <a:extLst>
                     <a:ext uri="{A12FA001-AC4F-418D-AE19-62706E023703}">
                       <ahyp:hlinkClr xmlns:ahyp="http://schemas.microsoft.com/office/drawing/2018/hyperlinkcolor" val="tx"/>
@@ -3599,11 +4461,1267 @@
                   </a:extLst>
                 </a:hlinkClick>
               </a:rPr>
-              <a:t>- </a:t>
-            </a:r>
-            <a:r>
-              <a:rPr lang="fr-FR" dirty="0" err="1">
-                <a:hlinkClick r:id="rId4" tooltip="https://goweather.xyz/weather/$%7BnomDeLaVille%7D">
+              <a:t>- Goweather: https://goweather.xyz/weather/$%7BnomDeLaVille%7D</a:t>
+            </a:r>
+            <a:endParaRPr lang="fr-FR" sz="2000"/>
+          </a:p>
+          <a:p>
+            <a:pPr marL="0" indent="0">
+              <a:buNone/>
+            </a:pPr>
+            <a:endParaRPr lang="fr-FR" sz="2000"/>
+          </a:p>
+        </p:txBody>
+      </p:sp>
+    </p:spTree>
+    <p:extLst>
+      <p:ext uri="{BB962C8B-B14F-4D97-AF65-F5344CB8AC3E}">
+        <p14:creationId xmlns:p14="http://schemas.microsoft.com/office/powerpoint/2010/main" val="4095080928"/>
+      </p:ext>
+    </p:extLst>
+  </p:cSld>
+  <p:clrMapOvr>
+    <a:masterClrMapping/>
+  </p:clrMapOvr>
+</p:sld>
+</file>
+
+<file path=ppt/slides/slide3.xml><?xml version="1.0" encoding="utf-8"?>
+<p:sld xmlns:a="http://schemas.openxmlformats.org/drawingml/2006/main" xmlns:r="http://schemas.openxmlformats.org/officeDocument/2006/relationships" xmlns:p="http://schemas.openxmlformats.org/presentationml/2006/main">
+  <p:cSld>
+    <p:bg>
+      <p:bgPr>
+        <a:solidFill>
+          <a:schemeClr val="bg1"/>
+        </a:solidFill>
+        <a:effectLst/>
+      </p:bgPr>
+    </p:bg>
+    <p:spTree>
+      <p:nvGrpSpPr>
+        <p:cNvPr id="1" name=""/>
+        <p:cNvGrpSpPr/>
+        <p:nvPr/>
+      </p:nvGrpSpPr>
+      <p:grpSpPr>
+        <a:xfrm>
+          <a:off x="0" y="0"/>
+          <a:ext cx="0" cy="0"/>
+          <a:chOff x="0" y="0"/>
+          <a:chExt cx="0" cy="0"/>
+        </a:xfrm>
+      </p:grpSpPr>
+      <p:sp useBgFill="1">
+        <p:nvSpPr>
+          <p:cNvPr id="67" name="Rectangle 66">
+            <a:extLst>
+              <a:ext uri="{FF2B5EF4-FFF2-40B4-BE49-F238E27FC236}">
+                <a16:creationId xmlns:a16="http://schemas.microsoft.com/office/drawing/2014/main" id="{149FB5C3-7336-4FE0-A30C-CC0A3646D499}"/>
+              </a:ext>
+              <a:ext uri="{C183D7F6-B498-43B3-948B-1728B52AA6E4}">
+                <adec:decorative xmlns:adec="http://schemas.microsoft.com/office/drawing/2017/decorative" val="1"/>
+              </a:ext>
+            </a:extLst>
+          </p:cNvPr>
+          <p:cNvSpPr>
+            <a:spLocks noGrp="1" noRot="1" noChangeAspect="1" noMove="1" noResize="1" noEditPoints="1" noAdjustHandles="1" noChangeArrowheads="1" noChangeShapeType="1" noTextEdit="1"/>
+          </p:cNvSpPr>
+          <p:nvPr>
+            <p:extLst>
+              <p:ext uri="{386F3935-93C4-4BCD-93E2-E3B085C9AB24}">
+                <p16:designElem xmlns:p16="http://schemas.microsoft.com/office/powerpoint/2015/main" val="1"/>
+              </p:ext>
+            </p:extLst>
+          </p:nvPr>
+        </p:nvSpPr>
+        <p:spPr>
+          <a:xfrm>
+            <a:off x="0" y="0"/>
+            <a:ext cx="12191999" cy="6857365"/>
+          </a:xfrm>
+          <a:prstGeom prst="rect">
+            <a:avLst/>
+          </a:prstGeom>
+          <a:ln>
+            <a:noFill/>
+          </a:ln>
+        </p:spPr>
+        <p:style>
+          <a:lnRef idx="2">
+            <a:schemeClr val="accent1">
+              <a:shade val="50000"/>
+            </a:schemeClr>
+          </a:lnRef>
+          <a:fillRef idx="1">
+            <a:schemeClr val="accent1"/>
+          </a:fillRef>
+          <a:effectRef idx="0">
+            <a:schemeClr val="accent1"/>
+          </a:effectRef>
+          <a:fontRef idx="minor">
+            <a:schemeClr val="lt1"/>
+          </a:fontRef>
+        </p:style>
+        <p:txBody>
+          <a:bodyPr rtlCol="0" anchor="ctr"/>
+          <a:lstStyle/>
+          <a:p>
+            <a:pPr algn="ctr"/>
+            <a:endParaRPr lang="en-US"/>
+          </a:p>
+        </p:txBody>
+      </p:sp>
+      <p:grpSp>
+        <p:nvGrpSpPr>
+          <p:cNvPr id="69" name="Group 68">
+            <a:extLst>
+              <a:ext uri="{FF2B5EF4-FFF2-40B4-BE49-F238E27FC236}">
+                <a16:creationId xmlns:a16="http://schemas.microsoft.com/office/drawing/2014/main" id="{19A6B5CE-CB1D-48EE-8B43-E952235C8371}"/>
+              </a:ext>
+              <a:ext uri="{C183D7F6-B498-43B3-948B-1728B52AA6E4}">
+                <adec:decorative xmlns:adec="http://schemas.microsoft.com/office/drawing/2017/decorative" val="1"/>
+              </a:ext>
+            </a:extLst>
+          </p:cNvPr>
+          <p:cNvGrpSpPr>
+            <a:grpSpLocks noGrp="1" noUngrp="1" noRot="1" noChangeAspect="1" noMove="1" noResize="1"/>
+          </p:cNvGrpSpPr>
+          <p:nvPr>
+            <p:extLst>
+              <p:ext uri="{386F3935-93C4-4BCD-93E2-E3B085C9AB24}">
+                <p16:designElem xmlns:p16="http://schemas.microsoft.com/office/powerpoint/2015/main" val="1"/>
+              </p:ext>
+            </p:extLst>
+          </p:nvPr>
+        </p:nvGrpSpPr>
+        <p:grpSpPr>
+          <a:xfrm rot="5400000">
+            <a:off x="-2340441" y="2666183"/>
+            <a:ext cx="5860051" cy="527712"/>
+            <a:chOff x="6081624" y="1998368"/>
+            <a:chExt cx="5613457" cy="782175"/>
+          </a:xfrm>
+          <a:solidFill>
+            <a:schemeClr val="accent4"/>
+          </a:solidFill>
+        </p:grpSpPr>
+        <p:sp>
+          <p:nvSpPr>
+            <p:cNvPr id="70" name="Rectangle 69">
+              <a:extLst>
+                <a:ext uri="{FF2B5EF4-FFF2-40B4-BE49-F238E27FC236}">
+                  <a16:creationId xmlns:a16="http://schemas.microsoft.com/office/drawing/2014/main" id="{E3F3EAA5-4E15-400B-BBA3-82B3F49A2178}"/>
+                </a:ext>
+                <a:ext uri="{C183D7F6-B498-43B3-948B-1728B52AA6E4}">
+                  <adec:decorative xmlns:adec="http://schemas.microsoft.com/office/drawing/2017/decorative" val="1"/>
+                </a:ext>
+              </a:extLst>
+            </p:cNvPr>
+            <p:cNvSpPr/>
+            <p:nvPr>
+              <p:extLst>
+                <p:ext uri="{386F3935-93C4-4BCD-93E2-E3B085C9AB24}">
+                  <p16:designElem xmlns:p16="http://schemas.microsoft.com/office/powerpoint/2015/main" val="1"/>
+                </p:ext>
+              </p:extLst>
+            </p:nvPr>
+          </p:nvSpPr>
+          <p:spPr>
+            <a:xfrm rot="5400000">
+              <a:off x="11228040" y="2313027"/>
+              <a:ext cx="781700" cy="152382"/>
+            </a:xfrm>
+            <a:prstGeom prst="rect">
+              <a:avLst/>
+            </a:prstGeom>
+            <a:grpFill/>
+            <a:ln>
+              <a:noFill/>
+            </a:ln>
+          </p:spPr>
+          <p:style>
+            <a:lnRef idx="2">
+              <a:schemeClr val="accent1">
+                <a:shade val="50000"/>
+              </a:schemeClr>
+            </a:lnRef>
+            <a:fillRef idx="1">
+              <a:schemeClr val="accent1"/>
+            </a:fillRef>
+            <a:effectRef idx="0">
+              <a:schemeClr val="accent1"/>
+            </a:effectRef>
+            <a:fontRef idx="minor">
+              <a:schemeClr val="lt1"/>
+            </a:fontRef>
+          </p:style>
+          <p:txBody>
+            <a:bodyPr rtlCol="0" anchor="ctr"/>
+            <a:lstStyle/>
+            <a:p>
+              <a:pPr algn="ctr"/>
+              <a:endParaRPr lang="en-US"/>
+            </a:p>
+          </p:txBody>
+        </p:sp>
+        <p:sp>
+          <p:nvSpPr>
+            <p:cNvPr id="71" name="Rectangle 70">
+              <a:extLst>
+                <a:ext uri="{FF2B5EF4-FFF2-40B4-BE49-F238E27FC236}">
+                  <a16:creationId xmlns:a16="http://schemas.microsoft.com/office/drawing/2014/main" id="{72BA2E40-BE9B-4C54-9CDD-40EE804CCE64}"/>
+                </a:ext>
+                <a:ext uri="{C183D7F6-B498-43B3-948B-1728B52AA6E4}">
+                  <adec:decorative xmlns:adec="http://schemas.microsoft.com/office/drawing/2017/decorative" val="1"/>
+                </a:ext>
+              </a:extLst>
+            </p:cNvPr>
+            <p:cNvSpPr/>
+            <p:nvPr>
+              <p:extLst>
+                <p:ext uri="{386F3935-93C4-4BCD-93E2-E3B085C9AB24}">
+                  <p16:designElem xmlns:p16="http://schemas.microsoft.com/office/powerpoint/2015/main" val="1"/>
+                </p:ext>
+              </p:extLst>
+            </p:nvPr>
+          </p:nvSpPr>
+          <p:spPr>
+            <a:xfrm flipH="1" flipV="1">
+              <a:off x="6081624" y="1998844"/>
+              <a:ext cx="5372968" cy="781699"/>
+            </a:xfrm>
+            <a:prstGeom prst="rect">
+              <a:avLst/>
+            </a:prstGeom>
+            <a:grpFill/>
+            <a:ln>
+              <a:noFill/>
+            </a:ln>
+          </p:spPr>
+          <p:style>
+            <a:lnRef idx="2">
+              <a:schemeClr val="accent1">
+                <a:shade val="50000"/>
+              </a:schemeClr>
+            </a:lnRef>
+            <a:fillRef idx="1">
+              <a:schemeClr val="accent1"/>
+            </a:fillRef>
+            <a:effectRef idx="0">
+              <a:schemeClr val="accent1"/>
+            </a:effectRef>
+            <a:fontRef idx="minor">
+              <a:schemeClr val="lt1"/>
+            </a:fontRef>
+          </p:style>
+          <p:txBody>
+            <a:bodyPr rtlCol="0" anchor="ctr"/>
+            <a:lstStyle/>
+            <a:p>
+              <a:pPr algn="ctr"/>
+              <a:endParaRPr lang="en-US"/>
+            </a:p>
+          </p:txBody>
+        </p:sp>
+      </p:grpSp>
+      <p:sp>
+        <p:nvSpPr>
+          <p:cNvPr id="73" name="Rectangle 72">
+            <a:extLst>
+              <a:ext uri="{FF2B5EF4-FFF2-40B4-BE49-F238E27FC236}">
+                <a16:creationId xmlns:a16="http://schemas.microsoft.com/office/drawing/2014/main" id="{0DA909B4-15FF-46A6-8A7F-7AEF977FE9ED}"/>
+              </a:ext>
+              <a:ext uri="{C183D7F6-B498-43B3-948B-1728B52AA6E4}">
+                <adec:decorative xmlns:adec="http://schemas.microsoft.com/office/drawing/2017/decorative" val="1"/>
+              </a:ext>
+            </a:extLst>
+          </p:cNvPr>
+          <p:cNvSpPr>
+            <a:spLocks noGrp="1" noRot="1" noChangeAspect="1" noMove="1" noResize="1" noEditPoints="1" noAdjustHandles="1" noChangeArrowheads="1" noChangeShapeType="1" noTextEdit="1"/>
+          </p:cNvSpPr>
+          <p:nvPr>
+            <p:extLst>
+              <p:ext uri="{386F3935-93C4-4BCD-93E2-E3B085C9AB24}">
+                <p16:designElem xmlns:p16="http://schemas.microsoft.com/office/powerpoint/2015/main" val="1"/>
+              </p:ext>
+            </p:extLst>
+          </p:nvPr>
+        </p:nvSpPr>
+        <p:spPr>
+          <a:xfrm>
+            <a:off x="579528" y="517897"/>
+            <a:ext cx="11111729" cy="5857966"/>
+          </a:xfrm>
+          <a:prstGeom prst="rect">
+            <a:avLst/>
+          </a:prstGeom>
+          <a:solidFill>
+            <a:schemeClr val="bg1"/>
+          </a:solidFill>
+          <a:ln>
+            <a:noFill/>
+          </a:ln>
+          <a:effectLst>
+            <a:outerShdw blurRad="139700" dist="127000" dir="5400000" algn="t" rotWithShape="0">
+              <a:prstClr val="black">
+                <a:alpha val="15000"/>
+              </a:prstClr>
+            </a:outerShdw>
+          </a:effectLst>
+        </p:spPr>
+        <p:style>
+          <a:lnRef idx="2">
+            <a:schemeClr val="accent1">
+              <a:shade val="50000"/>
+            </a:schemeClr>
+          </a:lnRef>
+          <a:fillRef idx="1">
+            <a:schemeClr val="accent1"/>
+          </a:fillRef>
+          <a:effectRef idx="0">
+            <a:schemeClr val="accent1"/>
+          </a:effectRef>
+          <a:fontRef idx="minor">
+            <a:schemeClr val="lt1"/>
+          </a:fontRef>
+        </p:style>
+        <p:txBody>
+          <a:bodyPr rtlCol="0" anchor="ctr"/>
+          <a:lstStyle/>
+          <a:p>
+            <a:pPr algn="ctr"/>
+            <a:endParaRPr lang="en-US"/>
+          </a:p>
+        </p:txBody>
+      </p:sp>
+      <p:sp>
+        <p:nvSpPr>
+          <p:cNvPr id="2" name="Titre 1">
+            <a:extLst>
+              <a:ext uri="{FF2B5EF4-FFF2-40B4-BE49-F238E27FC236}">
+                <a16:creationId xmlns:a16="http://schemas.microsoft.com/office/drawing/2014/main" id="{A8C2309F-5A76-A149-D703-EDCEBDB7C031}"/>
+              </a:ext>
+            </a:extLst>
+          </p:cNvPr>
+          <p:cNvSpPr>
+            <a:spLocks noGrp="1"/>
+          </p:cNvSpPr>
+          <p:nvPr>
+            <p:ph type="title"/>
+          </p:nvPr>
+        </p:nvSpPr>
+        <p:spPr>
+          <a:xfrm>
+            <a:off x="1057025" y="922644"/>
+            <a:ext cx="5040285" cy="1169585"/>
+          </a:xfrm>
+        </p:spPr>
+        <p:txBody>
+          <a:bodyPr anchor="b">
+            <a:normAutofit/>
+          </a:bodyPr>
+          <a:lstStyle/>
+          <a:p>
+            <a:r>
+              <a:rPr lang="fr-FR" sz="4000" dirty="0"/>
+              <a:t>API Leaflet</a:t>
+            </a:r>
+          </a:p>
+        </p:txBody>
+      </p:sp>
+      <p:sp>
+        <p:nvSpPr>
+          <p:cNvPr id="75" name="Rectangle 74">
+            <a:extLst>
+              <a:ext uri="{FF2B5EF4-FFF2-40B4-BE49-F238E27FC236}">
+                <a16:creationId xmlns:a16="http://schemas.microsoft.com/office/drawing/2014/main" id="{1382A32C-5B0C-4B1C-A074-76C6DBCC9F87}"/>
+              </a:ext>
+              <a:ext uri="{C183D7F6-B498-43B3-948B-1728B52AA6E4}">
+                <adec:decorative xmlns:adec="http://schemas.microsoft.com/office/drawing/2017/decorative" val="1"/>
+              </a:ext>
+            </a:extLst>
+          </p:cNvPr>
+          <p:cNvSpPr>
+            <a:spLocks noGrp="1" noRot="1" noChangeAspect="1" noMove="1" noResize="1" noEditPoints="1" noAdjustHandles="1" noChangeArrowheads="1" noChangeShapeType="1" noTextEdit="1"/>
+          </p:cNvSpPr>
+          <p:nvPr>
+            <p:extLst>
+              <p:ext uri="{386F3935-93C4-4BCD-93E2-E3B085C9AB24}">
+                <p16:designElem xmlns:p16="http://schemas.microsoft.com/office/powerpoint/2015/main" val="1"/>
+              </p:ext>
+            </p:extLst>
+          </p:nvPr>
+        </p:nvSpPr>
+        <p:spPr>
+          <a:xfrm flipH="1">
+            <a:off x="1055714" y="2263365"/>
+            <a:ext cx="4937760" cy="27432"/>
+          </a:xfrm>
+          <a:prstGeom prst="rect">
+            <a:avLst/>
+          </a:prstGeom>
+          <a:solidFill>
+            <a:schemeClr val="accent4"/>
+          </a:solidFill>
+          <a:ln>
+            <a:noFill/>
+          </a:ln>
+        </p:spPr>
+        <p:style>
+          <a:lnRef idx="2">
+            <a:schemeClr val="accent1">
+              <a:shade val="50000"/>
+            </a:schemeClr>
+          </a:lnRef>
+          <a:fillRef idx="1">
+            <a:schemeClr val="accent1"/>
+          </a:fillRef>
+          <a:effectRef idx="0">
+            <a:schemeClr val="accent1"/>
+          </a:effectRef>
+          <a:fontRef idx="minor">
+            <a:schemeClr val="lt1"/>
+          </a:fontRef>
+        </p:style>
+        <p:txBody>
+          <a:bodyPr rtlCol="0" anchor="ctr"/>
+          <a:lstStyle/>
+          <a:p>
+            <a:pPr algn="ctr"/>
+            <a:endParaRPr lang="en-US"/>
+          </a:p>
+        </p:txBody>
+      </p:sp>
+      <p:sp>
+        <p:nvSpPr>
+          <p:cNvPr id="3" name="Espace réservé du contenu 2">
+            <a:extLst>
+              <a:ext uri="{FF2B5EF4-FFF2-40B4-BE49-F238E27FC236}">
+                <a16:creationId xmlns:a16="http://schemas.microsoft.com/office/drawing/2014/main" id="{ECC0AA26-A1E6-EC3F-0A90-E92CEC88E221}"/>
+              </a:ext>
+            </a:extLst>
+          </p:cNvPr>
+          <p:cNvSpPr>
+            <a:spLocks noGrp="1"/>
+          </p:cNvSpPr>
+          <p:nvPr>
+            <p:ph idx="1"/>
+          </p:nvPr>
+        </p:nvSpPr>
+        <p:spPr>
+          <a:xfrm>
+            <a:off x="1055715" y="2508105"/>
+            <a:ext cx="5040285" cy="3632493"/>
+          </a:xfrm>
+        </p:spPr>
+        <p:txBody>
+          <a:bodyPr anchor="ctr">
+            <a:normAutofit/>
+          </a:bodyPr>
+          <a:lstStyle/>
+          <a:p>
+            <a:r>
+              <a:rPr lang="fr-FR" sz="2000"/>
+              <a:t>leaflet : </a:t>
+            </a:r>
+            <a:r>
+              <a:rPr lang="fr-FR" sz="2000">
+                <a:hlinkClick r:id="rId2" tooltip="https://leafletjs.com/"/>
+              </a:rPr>
+              <a:t>https://leafletjs.com/</a:t>
+            </a:r>
+            <a:r>
+              <a:rPr lang="fr-FR" sz="2000"/>
+              <a:t> </a:t>
+            </a:r>
+          </a:p>
+          <a:p>
+            <a:pPr marL="0" indent="0">
+              <a:buNone/>
+            </a:pPr>
+            <a:r>
+              <a:rPr lang="fr-FR" sz="2000"/>
+              <a:t>Il nous servira à créer une carte interactifs avec différents paramètres.</a:t>
+            </a:r>
+          </a:p>
+        </p:txBody>
+      </p:sp>
+      <p:pic>
+        <p:nvPicPr>
+          <p:cNvPr id="11" name="Image 10">
+            <a:extLst>
+              <a:ext uri="{FF2B5EF4-FFF2-40B4-BE49-F238E27FC236}">
+                <a16:creationId xmlns:a16="http://schemas.microsoft.com/office/drawing/2014/main" id="{1109C5FB-F493-E038-000A-17478ADAE51F}"/>
+              </a:ext>
+            </a:extLst>
+          </p:cNvPr>
+          <p:cNvPicPr>
+            <a:picLocks noChangeAspect="1"/>
+          </p:cNvPicPr>
+          <p:nvPr/>
+        </p:nvPicPr>
+        <p:blipFill>
+          <a:blip r:embed="rId3"/>
+          <a:stretch>
+            <a:fillRect/>
+          </a:stretch>
+        </p:blipFill>
+        <p:spPr>
+          <a:xfrm>
+            <a:off x="6946667" y="1240892"/>
+            <a:ext cx="4389120" cy="1647958"/>
+          </a:xfrm>
+          <a:prstGeom prst="rect">
+            <a:avLst/>
+          </a:prstGeom>
+        </p:spPr>
+      </p:pic>
+      <p:pic>
+        <p:nvPicPr>
+          <p:cNvPr id="5" name="Image 4">
+            <a:extLst>
+              <a:ext uri="{FF2B5EF4-FFF2-40B4-BE49-F238E27FC236}">
+                <a16:creationId xmlns:a16="http://schemas.microsoft.com/office/drawing/2014/main" id="{AA92F13E-7791-2B9E-9BE6-0D191A9167BF}"/>
+              </a:ext>
+            </a:extLst>
+          </p:cNvPr>
+          <p:cNvPicPr>
+            <a:picLocks noChangeAspect="1"/>
+          </p:cNvPicPr>
+          <p:nvPr/>
+        </p:nvPicPr>
+        <p:blipFill>
+          <a:blip r:embed="rId4"/>
+          <a:stretch>
+            <a:fillRect/>
+          </a:stretch>
+        </p:blipFill>
+        <p:spPr>
+          <a:xfrm>
+            <a:off x="6946667" y="4070132"/>
+            <a:ext cx="4389120" cy="1591056"/>
+          </a:xfrm>
+          <a:prstGeom prst="rect">
+            <a:avLst/>
+          </a:prstGeom>
+        </p:spPr>
+      </p:pic>
+    </p:spTree>
+    <p:extLst>
+      <p:ext uri="{BB962C8B-B14F-4D97-AF65-F5344CB8AC3E}">
+        <p14:creationId xmlns:p14="http://schemas.microsoft.com/office/powerpoint/2010/main" val="431826121"/>
+      </p:ext>
+    </p:extLst>
+  </p:cSld>
+  <p:clrMapOvr>
+    <a:masterClrMapping/>
+  </p:clrMapOvr>
+</p:sld>
+</file>
+
+<file path=ppt/slides/slide4.xml><?xml version="1.0" encoding="utf-8"?>
+<p:sld xmlns:a="http://schemas.openxmlformats.org/drawingml/2006/main" xmlns:r="http://schemas.openxmlformats.org/officeDocument/2006/relationships" xmlns:p="http://schemas.openxmlformats.org/presentationml/2006/main">
+  <p:cSld>
+    <p:bg>
+      <p:bgPr>
+        <a:solidFill>
+          <a:schemeClr val="bg1"/>
+        </a:solidFill>
+        <a:effectLst/>
+      </p:bgPr>
+    </p:bg>
+    <p:spTree>
+      <p:nvGrpSpPr>
+        <p:cNvPr id="1" name=""/>
+        <p:cNvGrpSpPr/>
+        <p:nvPr/>
+      </p:nvGrpSpPr>
+      <p:grpSpPr>
+        <a:xfrm>
+          <a:off x="0" y="0"/>
+          <a:ext cx="0" cy="0"/>
+          <a:chOff x="0" y="0"/>
+          <a:chExt cx="0" cy="0"/>
+        </a:xfrm>
+      </p:grpSpPr>
+      <p:sp useBgFill="1">
+        <p:nvSpPr>
+          <p:cNvPr id="17" name="Rectangle 16">
+            <a:extLst>
+              <a:ext uri="{FF2B5EF4-FFF2-40B4-BE49-F238E27FC236}">
+                <a16:creationId xmlns:a16="http://schemas.microsoft.com/office/drawing/2014/main" id="{DBC6133C-0615-4CE4-9132-37E609A9BDFA}"/>
+              </a:ext>
+              <a:ext uri="{C183D7F6-B498-43B3-948B-1728B52AA6E4}">
+                <adec:decorative xmlns:adec="http://schemas.microsoft.com/office/drawing/2017/decorative" val="1"/>
+              </a:ext>
+            </a:extLst>
+          </p:cNvPr>
+          <p:cNvSpPr>
+            <a:spLocks noGrp="1" noRot="1" noChangeAspect="1" noMove="1" noResize="1" noEditPoints="1" noAdjustHandles="1" noChangeArrowheads="1" noChangeShapeType="1" noTextEdit="1"/>
+          </p:cNvSpPr>
+          <p:nvPr>
+            <p:extLst>
+              <p:ext uri="{386F3935-93C4-4BCD-93E2-E3B085C9AB24}">
+                <p16:designElem xmlns:p16="http://schemas.microsoft.com/office/powerpoint/2015/main" val="1"/>
+              </p:ext>
+            </p:extLst>
+          </p:nvPr>
+        </p:nvSpPr>
+        <p:spPr>
+          <a:xfrm>
+            <a:off x="0" y="0"/>
+            <a:ext cx="12191999" cy="6857365"/>
+          </a:xfrm>
+          <a:prstGeom prst="rect">
+            <a:avLst/>
+          </a:prstGeom>
+          <a:ln>
+            <a:noFill/>
+          </a:ln>
+        </p:spPr>
+        <p:style>
+          <a:lnRef idx="2">
+            <a:schemeClr val="accent1">
+              <a:shade val="50000"/>
+            </a:schemeClr>
+          </a:lnRef>
+          <a:fillRef idx="1">
+            <a:schemeClr val="accent1"/>
+          </a:fillRef>
+          <a:effectRef idx="0">
+            <a:schemeClr val="accent1"/>
+          </a:effectRef>
+          <a:fontRef idx="minor">
+            <a:schemeClr val="lt1"/>
+          </a:fontRef>
+        </p:style>
+        <p:txBody>
+          <a:bodyPr rtlCol="0" anchor="ctr"/>
+          <a:lstStyle/>
+          <a:p>
+            <a:pPr algn="ctr"/>
+            <a:endParaRPr lang="en-US"/>
+          </a:p>
+        </p:txBody>
+      </p:sp>
+      <p:sp>
+        <p:nvSpPr>
+          <p:cNvPr id="2" name="Titre 1">
+            <a:extLst>
+              <a:ext uri="{FF2B5EF4-FFF2-40B4-BE49-F238E27FC236}">
+                <a16:creationId xmlns:a16="http://schemas.microsoft.com/office/drawing/2014/main" id="{1D113FD1-2044-5A10-9BC9-A60F74F95500}"/>
+              </a:ext>
+            </a:extLst>
+          </p:cNvPr>
+          <p:cNvSpPr>
+            <a:spLocks noGrp="1"/>
+          </p:cNvSpPr>
+          <p:nvPr>
+            <p:ph type="title"/>
+          </p:nvPr>
+        </p:nvSpPr>
+        <p:spPr>
+          <a:xfrm>
+            <a:off x="645064" y="525982"/>
+            <a:ext cx="4282983" cy="1200361"/>
+          </a:xfrm>
+        </p:spPr>
+        <p:txBody>
+          <a:bodyPr anchor="b">
+            <a:normAutofit/>
+          </a:bodyPr>
+          <a:lstStyle/>
+          <a:p>
+            <a:r>
+              <a:rPr lang="fr-FR" sz="3600" dirty="0"/>
+              <a:t>API </a:t>
+            </a:r>
+            <a:r>
+              <a:rPr lang="fr-FR" sz="3600" dirty="0" err="1"/>
+              <a:t>Nominatim</a:t>
+            </a:r>
+            <a:endParaRPr lang="fr-FR" sz="3600" dirty="0"/>
+          </a:p>
+        </p:txBody>
+      </p:sp>
+      <p:sp>
+        <p:nvSpPr>
+          <p:cNvPr id="19" name="Rectangle 18">
+            <a:extLst>
+              <a:ext uri="{FF2B5EF4-FFF2-40B4-BE49-F238E27FC236}">
+                <a16:creationId xmlns:a16="http://schemas.microsoft.com/office/drawing/2014/main" id="{169CC832-2974-4E8D-90ED-3E2941BA7336}"/>
+              </a:ext>
+              <a:ext uri="{C183D7F6-B498-43B3-948B-1728B52AA6E4}">
+                <adec:decorative xmlns:adec="http://schemas.microsoft.com/office/drawing/2017/decorative" val="1"/>
+              </a:ext>
+            </a:extLst>
+          </p:cNvPr>
+          <p:cNvSpPr>
+            <a:spLocks noGrp="1" noRot="1" noChangeAspect="1" noMove="1" noResize="1" noEditPoints="1" noAdjustHandles="1" noChangeArrowheads="1" noChangeShapeType="1" noTextEdit="1"/>
+          </p:cNvSpPr>
+          <p:nvPr>
+            <p:extLst>
+              <p:ext uri="{386F3935-93C4-4BCD-93E2-E3B085C9AB24}">
+                <p16:designElem xmlns:p16="http://schemas.microsoft.com/office/powerpoint/2015/main" val="1"/>
+              </p:ext>
+            </p:extLst>
+          </p:nvPr>
+        </p:nvSpPr>
+        <p:spPr>
+          <a:xfrm flipH="1">
+            <a:off x="616533" y="1944913"/>
+            <a:ext cx="4023360" cy="27432"/>
+          </a:xfrm>
+          <a:prstGeom prst="rect">
+            <a:avLst/>
+          </a:prstGeom>
+          <a:solidFill>
+            <a:schemeClr val="accent4"/>
+          </a:solidFill>
+          <a:ln>
+            <a:noFill/>
+          </a:ln>
+        </p:spPr>
+        <p:style>
+          <a:lnRef idx="2">
+            <a:schemeClr val="accent1">
+              <a:shade val="50000"/>
+            </a:schemeClr>
+          </a:lnRef>
+          <a:fillRef idx="1">
+            <a:schemeClr val="accent1"/>
+          </a:fillRef>
+          <a:effectRef idx="0">
+            <a:schemeClr val="accent1"/>
+          </a:effectRef>
+          <a:fontRef idx="minor">
+            <a:schemeClr val="lt1"/>
+          </a:fontRef>
+        </p:style>
+        <p:txBody>
+          <a:bodyPr rtlCol="0" anchor="ctr"/>
+          <a:lstStyle/>
+          <a:p>
+            <a:pPr algn="ctr"/>
+            <a:endParaRPr lang="en-US"/>
+          </a:p>
+        </p:txBody>
+      </p:sp>
+      <p:sp>
+        <p:nvSpPr>
+          <p:cNvPr id="3" name="Espace réservé du contenu 2">
+            <a:extLst>
+              <a:ext uri="{FF2B5EF4-FFF2-40B4-BE49-F238E27FC236}">
+                <a16:creationId xmlns:a16="http://schemas.microsoft.com/office/drawing/2014/main" id="{EE194315-A876-FDDA-DB03-DC88263A7208}"/>
+              </a:ext>
+            </a:extLst>
+          </p:cNvPr>
+          <p:cNvSpPr>
+            <a:spLocks noGrp="1"/>
+          </p:cNvSpPr>
+          <p:nvPr>
+            <p:ph idx="1"/>
+          </p:nvPr>
+        </p:nvSpPr>
+        <p:spPr>
+          <a:xfrm>
+            <a:off x="645066" y="2031101"/>
+            <a:ext cx="4282984" cy="3511943"/>
+          </a:xfrm>
+        </p:spPr>
+        <p:txBody>
+          <a:bodyPr anchor="ctr">
+            <a:normAutofit/>
+          </a:bodyPr>
+          <a:lstStyle/>
+          <a:p>
+            <a:r>
+              <a:rPr lang="fr-FR" sz="1800"/>
+              <a:t>Nominatim (OpenStreetMap) : </a:t>
+            </a:r>
+            <a:r>
+              <a:rPr lang="fr-FR" sz="1800">
+                <a:hlinkClick r:id="rId2" tooltip="https://nominatim.org/release-docs/latest/api/Reverse/"/>
+              </a:rPr>
+              <a:t>https://nominatim.org/release-docs/latest/api/Reverse/</a:t>
+            </a:r>
+            <a:r>
+              <a:rPr lang="fr-FR" sz="1800"/>
+              <a:t> </a:t>
+            </a:r>
+          </a:p>
+          <a:p>
+            <a:pPr marL="0" indent="0">
+              <a:buNone/>
+            </a:pPr>
+            <a:r>
+              <a:rPr lang="fr-FR" sz="1800"/>
+              <a:t>Ensuite, on utilise Nominatim afin de définir l’endroit où on à cliqué (avec aussi une vérification si c’est une ville valide)</a:t>
+            </a:r>
+          </a:p>
+          <a:p>
+            <a:endParaRPr lang="fr-FR" sz="1800"/>
+          </a:p>
+        </p:txBody>
+      </p:sp>
+      <p:sp>
+        <p:nvSpPr>
+          <p:cNvPr id="21" name="Rectangle 20">
+            <a:extLst>
+              <a:ext uri="{FF2B5EF4-FFF2-40B4-BE49-F238E27FC236}">
+                <a16:creationId xmlns:a16="http://schemas.microsoft.com/office/drawing/2014/main" id="{55222F96-971A-4F90-B841-6BAB416C7AC1}"/>
+              </a:ext>
+              <a:ext uri="{C183D7F6-B498-43B3-948B-1728B52AA6E4}">
+                <adec:decorative xmlns:adec="http://schemas.microsoft.com/office/drawing/2017/decorative" val="1"/>
+              </a:ext>
+            </a:extLst>
+          </p:cNvPr>
+          <p:cNvSpPr>
+            <a:spLocks noGrp="1" noRot="1" noChangeAspect="1" noMove="1" noResize="1" noEditPoints="1" noAdjustHandles="1" noChangeArrowheads="1" noChangeShapeType="1" noTextEdit="1"/>
+          </p:cNvSpPr>
+          <p:nvPr>
+            <p:extLst>
+              <p:ext uri="{386F3935-93C4-4BCD-93E2-E3B085C9AB24}">
+                <p16:designElem xmlns:p16="http://schemas.microsoft.com/office/powerpoint/2015/main" val="1"/>
+              </p:ext>
+            </p:extLst>
+          </p:nvPr>
+        </p:nvSpPr>
+        <p:spPr>
+          <a:xfrm rot="5400000">
+            <a:off x="-225843" y="6053360"/>
+            <a:ext cx="740664" cy="154124"/>
+          </a:xfrm>
+          <a:prstGeom prst="rect">
+            <a:avLst/>
+          </a:prstGeom>
+          <a:solidFill>
+            <a:schemeClr val="accent4"/>
+          </a:solidFill>
+          <a:ln>
+            <a:noFill/>
+          </a:ln>
+        </p:spPr>
+        <p:style>
+          <a:lnRef idx="2">
+            <a:schemeClr val="accent1">
+              <a:shade val="50000"/>
+            </a:schemeClr>
+          </a:lnRef>
+          <a:fillRef idx="1">
+            <a:schemeClr val="accent1"/>
+          </a:fillRef>
+          <a:effectRef idx="0">
+            <a:schemeClr val="accent1"/>
+          </a:effectRef>
+          <a:fontRef idx="minor">
+            <a:schemeClr val="lt1"/>
+          </a:fontRef>
+        </p:style>
+        <p:txBody>
+          <a:bodyPr rtlCol="0" anchor="ctr"/>
+          <a:lstStyle/>
+          <a:p>
+            <a:pPr algn="ctr"/>
+            <a:endParaRPr lang="en-US"/>
+          </a:p>
+        </p:txBody>
+      </p:sp>
+      <p:sp>
+        <p:nvSpPr>
+          <p:cNvPr id="23" name="Rectangle 22">
+            <a:extLst>
+              <a:ext uri="{FF2B5EF4-FFF2-40B4-BE49-F238E27FC236}">
+                <a16:creationId xmlns:a16="http://schemas.microsoft.com/office/drawing/2014/main" id="{08980754-6F4B-43C9-B9BE-127B6BED6586}"/>
+              </a:ext>
+              <a:ext uri="{C183D7F6-B498-43B3-948B-1728B52AA6E4}">
+                <adec:decorative xmlns:adec="http://schemas.microsoft.com/office/drawing/2017/decorative" val="1"/>
+              </a:ext>
+            </a:extLst>
+          </p:cNvPr>
+          <p:cNvSpPr>
+            <a:spLocks noGrp="1" noRot="1" noChangeAspect="1" noMove="1" noResize="1" noEditPoints="1" noAdjustHandles="1" noChangeArrowheads="1" noChangeShapeType="1" noTextEdit="1"/>
+          </p:cNvSpPr>
+          <p:nvPr>
+            <p:extLst>
+              <p:ext uri="{386F3935-93C4-4BCD-93E2-E3B085C9AB24}">
+                <p16:designElem xmlns:p16="http://schemas.microsoft.com/office/powerpoint/2015/main" val="1"/>
+              </p:ext>
+            </p:extLst>
+          </p:nvPr>
+        </p:nvSpPr>
+        <p:spPr>
+          <a:xfrm rot="5400000">
+            <a:off x="5904923" y="215201"/>
+            <a:ext cx="740664" cy="11833491"/>
+          </a:xfrm>
+          <a:prstGeom prst="rect">
+            <a:avLst/>
+          </a:prstGeom>
+          <a:solidFill>
+            <a:schemeClr val="accent4"/>
+          </a:solidFill>
+          <a:ln>
+            <a:noFill/>
+          </a:ln>
+        </p:spPr>
+        <p:style>
+          <a:lnRef idx="2">
+            <a:schemeClr val="accent1">
+              <a:shade val="50000"/>
+            </a:schemeClr>
+          </a:lnRef>
+          <a:fillRef idx="1">
+            <a:schemeClr val="accent1"/>
+          </a:fillRef>
+          <a:effectRef idx="0">
+            <a:schemeClr val="accent1"/>
+          </a:effectRef>
+          <a:fontRef idx="minor">
+            <a:schemeClr val="lt1"/>
+          </a:fontRef>
+        </p:style>
+        <p:txBody>
+          <a:bodyPr rtlCol="0" anchor="ctr"/>
+          <a:lstStyle/>
+          <a:p>
+            <a:pPr algn="ctr"/>
+            <a:endParaRPr lang="en-US"/>
+          </a:p>
+        </p:txBody>
+      </p:sp>
+      <p:sp>
+        <p:nvSpPr>
+          <p:cNvPr id="25" name="Rectangle 24">
+            <a:extLst>
+              <a:ext uri="{FF2B5EF4-FFF2-40B4-BE49-F238E27FC236}">
+                <a16:creationId xmlns:a16="http://schemas.microsoft.com/office/drawing/2014/main" id="{2C1BBA94-3F40-40AA-8BB9-E69E25E537C1}"/>
+              </a:ext>
+              <a:ext uri="{C183D7F6-B498-43B3-948B-1728B52AA6E4}">
+                <adec:decorative xmlns:adec="http://schemas.microsoft.com/office/drawing/2017/decorative" val="1"/>
+              </a:ext>
+            </a:extLst>
+          </p:cNvPr>
+          <p:cNvSpPr>
+            <a:spLocks noGrp="1" noRot="1" noChangeAspect="1" noMove="1" noResize="1" noEditPoints="1" noAdjustHandles="1" noChangeArrowheads="1" noChangeShapeType="1" noTextEdit="1"/>
+          </p:cNvSpPr>
+          <p:nvPr>
+            <p:extLst>
+              <p:ext uri="{386F3935-93C4-4BCD-93E2-E3B085C9AB24}">
+                <p16:designElem xmlns:p16="http://schemas.microsoft.com/office/powerpoint/2015/main" val="1"/>
+              </p:ext>
+            </p:extLst>
+          </p:nvPr>
+        </p:nvSpPr>
+        <p:spPr>
+          <a:xfrm>
+            <a:off x="5696793" y="354959"/>
+            <a:ext cx="6184973" cy="5915212"/>
+          </a:xfrm>
+          <a:prstGeom prst="rect">
+            <a:avLst/>
+          </a:prstGeom>
+          <a:solidFill>
+            <a:schemeClr val="bg1"/>
+          </a:solidFill>
+          <a:ln>
+            <a:noFill/>
+          </a:ln>
+          <a:effectLst>
+            <a:outerShdw blurRad="139700" dist="127000" dir="5400000" algn="t" rotWithShape="0">
+              <a:prstClr val="black">
+                <a:alpha val="15000"/>
+              </a:prstClr>
+            </a:outerShdw>
+          </a:effectLst>
+        </p:spPr>
+        <p:style>
+          <a:lnRef idx="2">
+            <a:schemeClr val="accent1">
+              <a:shade val="50000"/>
+            </a:schemeClr>
+          </a:lnRef>
+          <a:fillRef idx="1">
+            <a:schemeClr val="accent1"/>
+          </a:fillRef>
+          <a:effectRef idx="0">
+            <a:schemeClr val="accent1"/>
+          </a:effectRef>
+          <a:fontRef idx="minor">
+            <a:schemeClr val="lt1"/>
+          </a:fontRef>
+        </p:style>
+        <p:txBody>
+          <a:bodyPr rtlCol="0" anchor="ctr"/>
+          <a:lstStyle/>
+          <a:p>
+            <a:pPr algn="ctr"/>
+            <a:endParaRPr lang="en-US"/>
+          </a:p>
+        </p:txBody>
+      </p:sp>
+      <p:pic>
+        <p:nvPicPr>
+          <p:cNvPr id="5" name="Image 4">
+            <a:extLst>
+              <a:ext uri="{FF2B5EF4-FFF2-40B4-BE49-F238E27FC236}">
+                <a16:creationId xmlns:a16="http://schemas.microsoft.com/office/drawing/2014/main" id="{62F13ECA-4DAF-6757-71F0-AD3441100D68}"/>
+              </a:ext>
+            </a:extLst>
+          </p:cNvPr>
+          <p:cNvPicPr>
+            <a:picLocks noChangeAspect="1"/>
+          </p:cNvPicPr>
+          <p:nvPr/>
+        </p:nvPicPr>
+        <p:blipFill>
+          <a:blip r:embed="rId3"/>
+          <a:stretch>
+            <a:fillRect/>
+          </a:stretch>
+        </p:blipFill>
+        <p:spPr>
+          <a:xfrm>
+            <a:off x="5987738" y="2193997"/>
+            <a:ext cx="5628018" cy="2237136"/>
+          </a:xfrm>
+          <a:prstGeom prst="rect">
+            <a:avLst/>
+          </a:prstGeom>
+        </p:spPr>
+      </p:pic>
+    </p:spTree>
+    <p:extLst>
+      <p:ext uri="{BB962C8B-B14F-4D97-AF65-F5344CB8AC3E}">
+        <p14:creationId xmlns:p14="http://schemas.microsoft.com/office/powerpoint/2010/main" val="934338085"/>
+      </p:ext>
+    </p:extLst>
+  </p:cSld>
+  <p:clrMapOvr>
+    <a:masterClrMapping/>
+  </p:clrMapOvr>
+</p:sld>
+</file>
+
+<file path=ppt/slides/slide5.xml><?xml version="1.0" encoding="utf-8"?>
+<p:sld xmlns:a="http://schemas.openxmlformats.org/drawingml/2006/main" xmlns:r="http://schemas.openxmlformats.org/officeDocument/2006/relationships" xmlns:p="http://schemas.openxmlformats.org/presentationml/2006/main">
+  <p:cSld>
+    <p:bg>
+      <p:bgPr>
+        <a:solidFill>
+          <a:schemeClr val="bg1"/>
+        </a:solidFill>
+        <a:effectLst/>
+      </p:bgPr>
+    </p:bg>
+    <p:spTree>
+      <p:nvGrpSpPr>
+        <p:cNvPr id="1" name=""/>
+        <p:cNvGrpSpPr/>
+        <p:nvPr/>
+      </p:nvGrpSpPr>
+      <p:grpSpPr>
+        <a:xfrm>
+          <a:off x="0" y="0"/>
+          <a:ext cx="0" cy="0"/>
+          <a:chOff x="0" y="0"/>
+          <a:chExt cx="0" cy="0"/>
+        </a:xfrm>
+      </p:grpSpPr>
+      <p:sp useBgFill="1">
+        <p:nvSpPr>
+          <p:cNvPr id="17" name="Rectangle 16">
+            <a:extLst>
+              <a:ext uri="{FF2B5EF4-FFF2-40B4-BE49-F238E27FC236}">
+                <a16:creationId xmlns:a16="http://schemas.microsoft.com/office/drawing/2014/main" id="{DBC6133C-0615-4CE4-9132-37E609A9BDFA}"/>
+              </a:ext>
+              <a:ext uri="{C183D7F6-B498-43B3-948B-1728B52AA6E4}">
+                <adec:decorative xmlns:adec="http://schemas.microsoft.com/office/drawing/2017/decorative" val="1"/>
+              </a:ext>
+            </a:extLst>
+          </p:cNvPr>
+          <p:cNvSpPr>
+            <a:spLocks noGrp="1" noRot="1" noChangeAspect="1" noMove="1" noResize="1" noEditPoints="1" noAdjustHandles="1" noChangeArrowheads="1" noChangeShapeType="1" noTextEdit="1"/>
+          </p:cNvSpPr>
+          <p:nvPr>
+            <p:extLst>
+              <p:ext uri="{386F3935-93C4-4BCD-93E2-E3B085C9AB24}">
+                <p16:designElem xmlns:p16="http://schemas.microsoft.com/office/powerpoint/2015/main" val="1"/>
+              </p:ext>
+            </p:extLst>
+          </p:nvPr>
+        </p:nvSpPr>
+        <p:spPr>
+          <a:xfrm>
+            <a:off x="0" y="0"/>
+            <a:ext cx="12191999" cy="6857365"/>
+          </a:xfrm>
+          <a:prstGeom prst="rect">
+            <a:avLst/>
+          </a:prstGeom>
+          <a:ln>
+            <a:noFill/>
+          </a:ln>
+        </p:spPr>
+        <p:style>
+          <a:lnRef idx="2">
+            <a:schemeClr val="accent1">
+              <a:shade val="50000"/>
+            </a:schemeClr>
+          </a:lnRef>
+          <a:fillRef idx="1">
+            <a:schemeClr val="accent1"/>
+          </a:fillRef>
+          <a:effectRef idx="0">
+            <a:schemeClr val="accent1"/>
+          </a:effectRef>
+          <a:fontRef idx="minor">
+            <a:schemeClr val="lt1"/>
+          </a:fontRef>
+        </p:style>
+        <p:txBody>
+          <a:bodyPr rtlCol="0" anchor="ctr"/>
+          <a:lstStyle/>
+          <a:p>
+            <a:pPr algn="ctr"/>
+            <a:endParaRPr lang="en-US"/>
+          </a:p>
+        </p:txBody>
+      </p:sp>
+      <p:sp>
+        <p:nvSpPr>
+          <p:cNvPr id="2" name="Titre 1">
+            <a:extLst>
+              <a:ext uri="{FF2B5EF4-FFF2-40B4-BE49-F238E27FC236}">
+                <a16:creationId xmlns:a16="http://schemas.microsoft.com/office/drawing/2014/main" id="{69E2A02D-5F2B-6498-27B5-3AB7A64D7CA7}"/>
+              </a:ext>
+            </a:extLst>
+          </p:cNvPr>
+          <p:cNvSpPr>
+            <a:spLocks noGrp="1"/>
+          </p:cNvSpPr>
+          <p:nvPr>
+            <p:ph type="title"/>
+          </p:nvPr>
+        </p:nvSpPr>
+        <p:spPr>
+          <a:xfrm>
+            <a:off x="645064" y="525982"/>
+            <a:ext cx="4282983" cy="1200361"/>
+          </a:xfrm>
+        </p:spPr>
+        <p:txBody>
+          <a:bodyPr anchor="b">
+            <a:normAutofit/>
+          </a:bodyPr>
+          <a:lstStyle/>
+          <a:p>
+            <a:r>
+              <a:rPr lang="fr-FR" sz="3600" dirty="0"/>
+              <a:t>API </a:t>
+            </a:r>
+            <a:r>
+              <a:rPr lang="fr-FR" sz="3600" dirty="0" err="1"/>
+              <a:t>Goweather</a:t>
+            </a:r>
+            <a:endParaRPr lang="fr-FR" sz="3600" dirty="0"/>
+          </a:p>
+        </p:txBody>
+      </p:sp>
+      <p:sp>
+        <p:nvSpPr>
+          <p:cNvPr id="19" name="Rectangle 18">
+            <a:extLst>
+              <a:ext uri="{FF2B5EF4-FFF2-40B4-BE49-F238E27FC236}">
+                <a16:creationId xmlns:a16="http://schemas.microsoft.com/office/drawing/2014/main" id="{169CC832-2974-4E8D-90ED-3E2941BA7336}"/>
+              </a:ext>
+              <a:ext uri="{C183D7F6-B498-43B3-948B-1728B52AA6E4}">
+                <adec:decorative xmlns:adec="http://schemas.microsoft.com/office/drawing/2017/decorative" val="1"/>
+              </a:ext>
+            </a:extLst>
+          </p:cNvPr>
+          <p:cNvSpPr>
+            <a:spLocks noGrp="1" noRot="1" noChangeAspect="1" noMove="1" noResize="1" noEditPoints="1" noAdjustHandles="1" noChangeArrowheads="1" noChangeShapeType="1" noTextEdit="1"/>
+          </p:cNvSpPr>
+          <p:nvPr>
+            <p:extLst>
+              <p:ext uri="{386F3935-93C4-4BCD-93E2-E3B085C9AB24}">
+                <p16:designElem xmlns:p16="http://schemas.microsoft.com/office/powerpoint/2015/main" val="1"/>
+              </p:ext>
+            </p:extLst>
+          </p:nvPr>
+        </p:nvSpPr>
+        <p:spPr>
+          <a:xfrm flipH="1">
+            <a:off x="616533" y="1944913"/>
+            <a:ext cx="4023360" cy="27432"/>
+          </a:xfrm>
+          <a:prstGeom prst="rect">
+            <a:avLst/>
+          </a:prstGeom>
+          <a:solidFill>
+            <a:schemeClr val="accent4"/>
+          </a:solidFill>
+          <a:ln>
+            <a:noFill/>
+          </a:ln>
+        </p:spPr>
+        <p:style>
+          <a:lnRef idx="2">
+            <a:schemeClr val="accent1">
+              <a:shade val="50000"/>
+            </a:schemeClr>
+          </a:lnRef>
+          <a:fillRef idx="1">
+            <a:schemeClr val="accent1"/>
+          </a:fillRef>
+          <a:effectRef idx="0">
+            <a:schemeClr val="accent1"/>
+          </a:effectRef>
+          <a:fontRef idx="minor">
+            <a:schemeClr val="lt1"/>
+          </a:fontRef>
+        </p:style>
+        <p:txBody>
+          <a:bodyPr rtlCol="0" anchor="ctr"/>
+          <a:lstStyle/>
+          <a:p>
+            <a:pPr algn="ctr"/>
+            <a:endParaRPr lang="en-US"/>
+          </a:p>
+        </p:txBody>
+      </p:sp>
+      <p:sp>
+        <p:nvSpPr>
+          <p:cNvPr id="3" name="Espace réservé du contenu 2">
+            <a:extLst>
+              <a:ext uri="{FF2B5EF4-FFF2-40B4-BE49-F238E27FC236}">
+                <a16:creationId xmlns:a16="http://schemas.microsoft.com/office/drawing/2014/main" id="{9C0F9E78-91DD-43A0-9AED-C7A79FF3A19E}"/>
+              </a:ext>
+            </a:extLst>
+          </p:cNvPr>
+          <p:cNvSpPr>
+            <a:spLocks noGrp="1"/>
+          </p:cNvSpPr>
+          <p:nvPr>
+            <p:ph idx="1"/>
+          </p:nvPr>
+        </p:nvSpPr>
+        <p:spPr>
+          <a:xfrm>
+            <a:off x="645066" y="2031101"/>
+            <a:ext cx="4282984" cy="3511943"/>
+          </a:xfrm>
+        </p:spPr>
+        <p:txBody>
+          <a:bodyPr anchor="ctr">
+            <a:normAutofit/>
+          </a:bodyPr>
+          <a:lstStyle/>
+          <a:p>
+            <a:r>
+              <a:rPr lang="fr-FR" sz="1800">
+                <a:hlinkClick r:id="rId2" tooltip="https://goweather.xyz/weather/$%7BnomDeLaVille%7D">
                   <a:extLst>
                     <a:ext uri="{A12FA001-AC4F-418D-AE19-62706E023703}">
                       <ahyp:hlinkClr xmlns:ahyp="http://schemas.microsoft.com/office/drawing/2018/hyperlinkcolor" val="tx"/>
@@ -3611,49 +5729,251 @@
                   </a:extLst>
                 </a:hlinkClick>
               </a:rPr>
-              <a:t>Goweather</a:t>
-            </a:r>
-            <a:r>
-              <a:rPr lang="fr-FR" dirty="0">
-                <a:hlinkClick r:id="rId4" tooltip="https://goweather.xyz/weather/$%7BnomDeLaVille%7D">
-                  <a:extLst>
-                    <a:ext uri="{A12FA001-AC4F-418D-AE19-62706E023703}">
-                      <ahyp:hlinkClr xmlns:ahyp="http://schemas.microsoft.com/office/drawing/2018/hyperlinkcolor" val="tx"/>
-                    </a:ext>
-                  </a:extLst>
-                </a:hlinkClick>
-              </a:rPr>
-              <a:t>: </a:t>
-            </a:r>
-            <a:r>
-              <a:rPr lang="fr-FR" dirty="0">
-                <a:solidFill>
-                  <a:srgbClr val="467886"/>
-                </a:solidFill>
-                <a:hlinkClick r:id="rId4" tooltip="https://goweather.xyz/weather/$%7BnomDeLaVille%7D">
-                  <a:extLst>
-                    <a:ext uri="{A12FA001-AC4F-418D-AE19-62706E023703}">
-                      <ahyp:hlinkClr xmlns:ahyp="http://schemas.microsoft.com/office/drawing/2018/hyperlinkcolor" val="tx"/>
-                    </a:ext>
-                  </a:extLst>
-                </a:hlinkClick>
-              </a:rPr>
-              <a:t>https://goweather.xyz/weather/$%7BnomDeLaVille%7D</a:t>
-            </a:r>
-            <a:endParaRPr lang="fr-FR" dirty="0"/>
+              <a:t>Goweather: https://goweather.xyz/weather/$%7BnomDeLaVille%7D</a:t>
+            </a:r>
+            <a:endParaRPr lang="fr-FR" sz="1800"/>
           </a:p>
           <a:p>
             <a:pPr marL="0" indent="0">
               <a:buNone/>
             </a:pPr>
-            <a:endParaRPr lang="fr-FR" dirty="0"/>
-          </a:p>
-        </p:txBody>
-      </p:sp>
+            <a:r>
+              <a:rPr lang="fr-FR" sz="1800"/>
+              <a:t>Une fois qu’on a la ville, on change le nom de l’URL pour avoir diverses informations météorologiques.</a:t>
+            </a:r>
+          </a:p>
+        </p:txBody>
+      </p:sp>
+      <p:sp>
+        <p:nvSpPr>
+          <p:cNvPr id="21" name="Rectangle 20">
+            <a:extLst>
+              <a:ext uri="{FF2B5EF4-FFF2-40B4-BE49-F238E27FC236}">
+                <a16:creationId xmlns:a16="http://schemas.microsoft.com/office/drawing/2014/main" id="{55222F96-971A-4F90-B841-6BAB416C7AC1}"/>
+              </a:ext>
+              <a:ext uri="{C183D7F6-B498-43B3-948B-1728B52AA6E4}">
+                <adec:decorative xmlns:adec="http://schemas.microsoft.com/office/drawing/2017/decorative" val="1"/>
+              </a:ext>
+            </a:extLst>
+          </p:cNvPr>
+          <p:cNvSpPr>
+            <a:spLocks noGrp="1" noRot="1" noChangeAspect="1" noMove="1" noResize="1" noEditPoints="1" noAdjustHandles="1" noChangeArrowheads="1" noChangeShapeType="1" noTextEdit="1"/>
+          </p:cNvSpPr>
+          <p:nvPr>
+            <p:extLst>
+              <p:ext uri="{386F3935-93C4-4BCD-93E2-E3B085C9AB24}">
+                <p16:designElem xmlns:p16="http://schemas.microsoft.com/office/powerpoint/2015/main" val="1"/>
+              </p:ext>
+            </p:extLst>
+          </p:nvPr>
+        </p:nvSpPr>
+        <p:spPr>
+          <a:xfrm rot="5400000">
+            <a:off x="-225843" y="6053360"/>
+            <a:ext cx="740664" cy="154124"/>
+          </a:xfrm>
+          <a:prstGeom prst="rect">
+            <a:avLst/>
+          </a:prstGeom>
+          <a:solidFill>
+            <a:schemeClr val="accent4"/>
+          </a:solidFill>
+          <a:ln>
+            <a:noFill/>
+          </a:ln>
+        </p:spPr>
+        <p:style>
+          <a:lnRef idx="2">
+            <a:schemeClr val="accent1">
+              <a:shade val="50000"/>
+            </a:schemeClr>
+          </a:lnRef>
+          <a:fillRef idx="1">
+            <a:schemeClr val="accent1"/>
+          </a:fillRef>
+          <a:effectRef idx="0">
+            <a:schemeClr val="accent1"/>
+          </a:effectRef>
+          <a:fontRef idx="minor">
+            <a:schemeClr val="lt1"/>
+          </a:fontRef>
+        </p:style>
+        <p:txBody>
+          <a:bodyPr rtlCol="0" anchor="ctr"/>
+          <a:lstStyle/>
+          <a:p>
+            <a:pPr algn="ctr"/>
+            <a:endParaRPr lang="en-US"/>
+          </a:p>
+        </p:txBody>
+      </p:sp>
+      <p:sp>
+        <p:nvSpPr>
+          <p:cNvPr id="23" name="Rectangle 22">
+            <a:extLst>
+              <a:ext uri="{FF2B5EF4-FFF2-40B4-BE49-F238E27FC236}">
+                <a16:creationId xmlns:a16="http://schemas.microsoft.com/office/drawing/2014/main" id="{08980754-6F4B-43C9-B9BE-127B6BED6586}"/>
+              </a:ext>
+              <a:ext uri="{C183D7F6-B498-43B3-948B-1728B52AA6E4}">
+                <adec:decorative xmlns:adec="http://schemas.microsoft.com/office/drawing/2017/decorative" val="1"/>
+              </a:ext>
+            </a:extLst>
+          </p:cNvPr>
+          <p:cNvSpPr>
+            <a:spLocks noGrp="1" noRot="1" noChangeAspect="1" noMove="1" noResize="1" noEditPoints="1" noAdjustHandles="1" noChangeArrowheads="1" noChangeShapeType="1" noTextEdit="1"/>
+          </p:cNvSpPr>
+          <p:nvPr>
+            <p:extLst>
+              <p:ext uri="{386F3935-93C4-4BCD-93E2-E3B085C9AB24}">
+                <p16:designElem xmlns:p16="http://schemas.microsoft.com/office/powerpoint/2015/main" val="1"/>
+              </p:ext>
+            </p:extLst>
+          </p:nvPr>
+        </p:nvSpPr>
+        <p:spPr>
+          <a:xfrm rot="5400000">
+            <a:off x="5904923" y="215201"/>
+            <a:ext cx="740664" cy="11833491"/>
+          </a:xfrm>
+          <a:prstGeom prst="rect">
+            <a:avLst/>
+          </a:prstGeom>
+          <a:solidFill>
+            <a:schemeClr val="accent4"/>
+          </a:solidFill>
+          <a:ln>
+            <a:noFill/>
+          </a:ln>
+        </p:spPr>
+        <p:style>
+          <a:lnRef idx="2">
+            <a:schemeClr val="accent1">
+              <a:shade val="50000"/>
+            </a:schemeClr>
+          </a:lnRef>
+          <a:fillRef idx="1">
+            <a:schemeClr val="accent1"/>
+          </a:fillRef>
+          <a:effectRef idx="0">
+            <a:schemeClr val="accent1"/>
+          </a:effectRef>
+          <a:fontRef idx="minor">
+            <a:schemeClr val="lt1"/>
+          </a:fontRef>
+        </p:style>
+        <p:txBody>
+          <a:bodyPr rtlCol="0" anchor="ctr"/>
+          <a:lstStyle/>
+          <a:p>
+            <a:pPr algn="ctr"/>
+            <a:endParaRPr lang="en-US"/>
+          </a:p>
+        </p:txBody>
+      </p:sp>
+      <p:sp>
+        <p:nvSpPr>
+          <p:cNvPr id="25" name="Rectangle 24">
+            <a:extLst>
+              <a:ext uri="{FF2B5EF4-FFF2-40B4-BE49-F238E27FC236}">
+                <a16:creationId xmlns:a16="http://schemas.microsoft.com/office/drawing/2014/main" id="{2C1BBA94-3F40-40AA-8BB9-E69E25E537C1}"/>
+              </a:ext>
+              <a:ext uri="{C183D7F6-B498-43B3-948B-1728B52AA6E4}">
+                <adec:decorative xmlns:adec="http://schemas.microsoft.com/office/drawing/2017/decorative" val="1"/>
+              </a:ext>
+            </a:extLst>
+          </p:cNvPr>
+          <p:cNvSpPr>
+            <a:spLocks noGrp="1" noRot="1" noChangeAspect="1" noMove="1" noResize="1" noEditPoints="1" noAdjustHandles="1" noChangeArrowheads="1" noChangeShapeType="1" noTextEdit="1"/>
+          </p:cNvSpPr>
+          <p:nvPr>
+            <p:extLst>
+              <p:ext uri="{386F3935-93C4-4BCD-93E2-E3B085C9AB24}">
+                <p16:designElem xmlns:p16="http://schemas.microsoft.com/office/powerpoint/2015/main" val="1"/>
+              </p:ext>
+            </p:extLst>
+          </p:nvPr>
+        </p:nvSpPr>
+        <p:spPr>
+          <a:xfrm>
+            <a:off x="5696793" y="354959"/>
+            <a:ext cx="6184973" cy="5915212"/>
+          </a:xfrm>
+          <a:prstGeom prst="rect">
+            <a:avLst/>
+          </a:prstGeom>
+          <a:solidFill>
+            <a:schemeClr val="bg1"/>
+          </a:solidFill>
+          <a:ln>
+            <a:noFill/>
+          </a:ln>
+          <a:effectLst>
+            <a:outerShdw blurRad="139700" dist="127000" dir="5400000" algn="t" rotWithShape="0">
+              <a:prstClr val="black">
+                <a:alpha val="15000"/>
+              </a:prstClr>
+            </a:outerShdw>
+          </a:effectLst>
+        </p:spPr>
+        <p:style>
+          <a:lnRef idx="2">
+            <a:schemeClr val="accent1">
+              <a:shade val="50000"/>
+            </a:schemeClr>
+          </a:lnRef>
+          <a:fillRef idx="1">
+            <a:schemeClr val="accent1"/>
+          </a:fillRef>
+          <a:effectRef idx="0">
+            <a:schemeClr val="accent1"/>
+          </a:effectRef>
+          <a:fontRef idx="minor">
+            <a:schemeClr val="lt1"/>
+          </a:fontRef>
+        </p:style>
+        <p:txBody>
+          <a:bodyPr rtlCol="0" anchor="ctr"/>
+          <a:lstStyle/>
+          <a:p>
+            <a:pPr algn="ctr"/>
+            <a:endParaRPr lang="en-US"/>
+          </a:p>
+        </p:txBody>
+      </p:sp>
+      <p:pic>
+        <p:nvPicPr>
+          <p:cNvPr id="5" name="Image 4">
+            <a:extLst>
+              <a:ext uri="{FF2B5EF4-FFF2-40B4-BE49-F238E27FC236}">
+                <a16:creationId xmlns:a16="http://schemas.microsoft.com/office/drawing/2014/main" id="{3A0BBE36-2A1B-5BA2-F86D-6765B365C0EC}"/>
+              </a:ext>
+            </a:extLst>
+          </p:cNvPr>
+          <p:cNvPicPr>
+            <a:picLocks noChangeAspect="1"/>
+          </p:cNvPicPr>
+          <p:nvPr/>
+        </p:nvPicPr>
+        <p:blipFill>
+          <a:blip r:embed="rId3"/>
+          <a:stretch>
+            <a:fillRect/>
+          </a:stretch>
+        </p:blipFill>
+        <p:spPr>
+          <a:xfrm>
+            <a:off x="5987738" y="2243242"/>
+            <a:ext cx="5628018" cy="2138646"/>
+          </a:xfrm>
+          <a:prstGeom prst="rect">
+            <a:avLst/>
+          </a:prstGeom>
+        </p:spPr>
+      </p:pic>
     </p:spTree>
     <p:extLst>
       <p:ext uri="{BB962C8B-B14F-4D97-AF65-F5344CB8AC3E}">
-        <p14:creationId xmlns:p14="http://schemas.microsoft.com/office/powerpoint/2010/main" val="4095080928"/>
+        <p14:creationId xmlns:p14="http://schemas.microsoft.com/office/powerpoint/2010/main" val="2633466338"/>
       </p:ext>
     </p:extLst>
   </p:cSld>

--- a/Présentation Projet.pptx
+++ b/Présentation Projet.pptx
@@ -3353,10 +3353,10 @@
       </p:grpSpPr>
       <p:sp useBgFill="1">
         <p:nvSpPr>
-          <p:cNvPr id="25" name="Rectangle 24">
-            <a:extLst>
-              <a:ext uri="{FF2B5EF4-FFF2-40B4-BE49-F238E27FC236}">
-                <a16:creationId xmlns:a16="http://schemas.microsoft.com/office/drawing/2014/main" id="{934F1179-B481-4F9E-BCA3-AFB972070F83}"/>
+          <p:cNvPr id="34" name="Rectangle 33">
+            <a:extLst>
+              <a:ext uri="{FF2B5EF4-FFF2-40B4-BE49-F238E27FC236}">
+                <a16:creationId xmlns:a16="http://schemas.microsoft.com/office/drawing/2014/main" id="{4522B21E-B2B9-4C72-9A71-C87EFD137480}"/>
               </a:ext>
               <a:ext uri="{C183D7F6-B498-43B3-948B-1728B52AA6E4}">
                 <adec:decorative xmlns:adec="http://schemas.microsoft.com/office/drawing/2017/decorative" val="1"/>
@@ -3377,7 +3377,7 @@
         <p:spPr>
           <a:xfrm>
             <a:off x="0" y="0"/>
-            <a:ext cx="12192000" cy="6858000"/>
+            <a:ext cx="12191999" cy="6857365"/>
           </a:xfrm>
           <a:prstGeom prst="rect">
             <a:avLst/>
@@ -3413,10 +3413,10 @@
       </p:sp>
       <p:sp>
         <p:nvSpPr>
-          <p:cNvPr id="27" name="Right Triangle 26">
-            <a:extLst>
-              <a:ext uri="{FF2B5EF4-FFF2-40B4-BE49-F238E27FC236}">
-                <a16:creationId xmlns:a16="http://schemas.microsoft.com/office/drawing/2014/main" id="{827DC2C4-B485-428A-BF4A-472D2967F47F}"/>
+          <p:cNvPr id="36" name="Rectangle 35">
+            <a:extLst>
+              <a:ext uri="{FF2B5EF4-FFF2-40B4-BE49-F238E27FC236}">
+                <a16:creationId xmlns:a16="http://schemas.microsoft.com/office/drawing/2014/main" id="{5EB7D2A2-F448-44D4-938C-DC84CBCB3B1E}"/>
               </a:ext>
               <a:ext uri="{C183D7F6-B498-43B3-948B-1728B52AA6E4}">
                 <adec:decorative xmlns:adec="http://schemas.microsoft.com/office/drawing/2017/decorative" val="1"/>
@@ -3435,11 +3435,11 @@
           </p:nvPr>
         </p:nvSpPr>
         <p:spPr>
-          <a:xfrm flipH="1">
-            <a:off x="8576720" y="3335867"/>
-            <a:ext cx="3291840" cy="3200400"/>
+          <a:xfrm>
+            <a:off x="0" y="2"/>
+            <a:ext cx="12192000" cy="4412583"/>
           </a:xfrm>
-          <a:prstGeom prst="rtTriangle">
+          <a:prstGeom prst="rect">
             <a:avLst/>
           </a:prstGeom>
           <a:solidFill>
@@ -3476,10 +3476,10 @@
       </p:sp>
       <p:sp>
         <p:nvSpPr>
-          <p:cNvPr id="29" name="Rectangle 28">
-            <a:extLst>
-              <a:ext uri="{FF2B5EF4-FFF2-40B4-BE49-F238E27FC236}">
-                <a16:creationId xmlns:a16="http://schemas.microsoft.com/office/drawing/2014/main" id="{EE04B5EB-F158-4507-90DD-BD23620C7CC9}"/>
+          <p:cNvPr id="38" name="Rectangle 37">
+            <a:extLst>
+              <a:ext uri="{FF2B5EF4-FFF2-40B4-BE49-F238E27FC236}">
+                <a16:creationId xmlns:a16="http://schemas.microsoft.com/office/drawing/2014/main" id="{871AEA07-1E14-44B4-8E55-64EF049CD66F}"/>
               </a:ext>
               <a:ext uri="{C183D7F6-B498-43B3-948B-1728B52AA6E4}">
                 <adec:decorative xmlns:adec="http://schemas.microsoft.com/office/drawing/2017/decorative" val="1"/>
@@ -3499,21 +3499,25 @@
         </p:nvSpPr>
         <p:spPr>
           <a:xfrm>
-            <a:off x="641774" y="623275"/>
-            <a:ext cx="10905053" cy="5607882"/>
+            <a:off x="596464" y="551962"/>
+            <a:ext cx="10999072" cy="4618549"/>
           </a:xfrm>
           <a:prstGeom prst="rect">
             <a:avLst/>
           </a:prstGeom>
-          <a:noFill/>
-          <a:ln w="19050">
-            <a:solidFill>
-              <a:schemeClr val="tx1">
-                <a:lumMod val="75000"/>
-                <a:lumOff val="25000"/>
-              </a:schemeClr>
-            </a:solidFill>
+          <a:solidFill>
+            <a:schemeClr val="bg1"/>
+          </a:solidFill>
+          <a:ln>
+            <a:noFill/>
           </a:ln>
+          <a:effectLst>
+            <a:outerShdw blurRad="139700" dist="127000" dir="5400000" algn="t" rotWithShape="0">
+              <a:prstClr val="black">
+                <a:alpha val="15000"/>
+              </a:prstClr>
+            </a:outerShdw>
+          </a:effectLst>
         </p:spPr>
         <p:style>
           <a:lnRef idx="2">
@@ -3558,19 +3562,18 @@
         </p:nvSpPr>
         <p:spPr>
           <a:xfrm>
-            <a:off x="1285241" y="1008993"/>
-            <a:ext cx="9231410" cy="3542045"/>
+            <a:off x="1524000" y="1293338"/>
+            <a:ext cx="9144000" cy="3274592"/>
           </a:xfrm>
         </p:spPr>
         <p:txBody>
-          <a:bodyPr anchor="b">
+          <a:bodyPr anchor="ctr">
             <a:normAutofit/>
           </a:bodyPr>
           <a:lstStyle/>
           <a:p>
-            <a:pPr algn="l"/>
-            <a:r>
-              <a:rPr lang="fr-FR" sz="11500"/>
+            <a:r>
+              <a:rPr lang="fr-FR" sz="7200"/>
               <a:t>Projet MapsJS</a:t>
             </a:r>
           </a:p>
@@ -3594,38 +3597,88 @@
         </p:nvSpPr>
         <p:spPr>
           <a:xfrm>
-            <a:off x="1285241" y="4582814"/>
-            <a:ext cx="7132335" cy="1312657"/>
+            <a:off x="1524000" y="5514052"/>
+            <a:ext cx="9144000" cy="651910"/>
           </a:xfrm>
         </p:spPr>
         <p:txBody>
-          <a:bodyPr anchor="t">
+          <a:bodyPr anchor="ctr">
             <a:normAutofit/>
           </a:bodyPr>
           <a:lstStyle/>
           <a:p>
-            <a:pPr algn="l"/>
-            <a:r>
-              <a:rPr lang="fr-FR"/>
+            <a:r>
+              <a:rPr lang="fr-FR" sz="1500"/>
               <a:t>Par JulienDel59 &amp; Deathur</a:t>
             </a:r>
           </a:p>
           <a:p>
-            <a:pPr algn="l"/>
-            <a:r>
-              <a:rPr lang="fr-FR"/>
+            <a:r>
+              <a:rPr lang="fr-FR" sz="1500"/>
               <a:t>Lien du projet: </a:t>
             </a:r>
             <a:r>
-              <a:rPr lang="fr-FR">
+              <a:rPr lang="fr-FR" sz="1500">
                 <a:hlinkClick r:id="rId2"/>
               </a:rPr>
               <a:t>https://github.com/Deathur/MapsJS</a:t>
             </a:r>
-            <a:endParaRPr lang="fr-FR"/>
-          </a:p>
-        </p:txBody>
-      </p:sp>
+            <a:endParaRPr lang="fr-FR" sz="1500"/>
+          </a:p>
+        </p:txBody>
+      </p:sp>
+      <p:cxnSp>
+        <p:nvCxnSpPr>
+          <p:cNvPr id="40" name="Straight Connector 39">
+            <a:extLst>
+              <a:ext uri="{FF2B5EF4-FFF2-40B4-BE49-F238E27FC236}">
+                <a16:creationId xmlns:a16="http://schemas.microsoft.com/office/drawing/2014/main" id="{F7C8EA93-3210-4C62-99E9-153C275E3A87}"/>
+              </a:ext>
+              <a:ext uri="{C183D7F6-B498-43B3-948B-1728B52AA6E4}">
+                <adec:decorative xmlns:adec="http://schemas.microsoft.com/office/drawing/2017/decorative" val="1"/>
+              </a:ext>
+            </a:extLst>
+          </p:cNvPr>
+          <p:cNvCxnSpPr>
+            <a:cxnSpLocks noGrp="1" noRot="1" noChangeAspect="1" noMove="1" noResize="1" noEditPoints="1" noAdjustHandles="1" noChangeArrowheads="1" noChangeShapeType="1"/>
+          </p:cNvCxnSpPr>
+          <p:nvPr>
+            <p:extLst>
+              <p:ext uri="{386F3935-93C4-4BCD-93E2-E3B085C9AB24}">
+                <p16:designElem xmlns:p16="http://schemas.microsoft.com/office/powerpoint/2015/main" val="1"/>
+              </p:ext>
+            </p:extLst>
+          </p:nvPr>
+        </p:nvCxnSpPr>
+        <p:spPr>
+          <a:xfrm flipH="1">
+            <a:off x="596464" y="6354708"/>
+            <a:ext cx="11000232" cy="0"/>
+          </a:xfrm>
+          <a:prstGeom prst="line">
+            <a:avLst/>
+          </a:prstGeom>
+          <a:ln w="101600">
+            <a:solidFill>
+              <a:schemeClr val="accent4"/>
+            </a:solidFill>
+          </a:ln>
+        </p:spPr>
+        <p:style>
+          <a:lnRef idx="1">
+            <a:schemeClr val="accent1"/>
+          </a:lnRef>
+          <a:fillRef idx="0">
+            <a:schemeClr val="accent1"/>
+          </a:fillRef>
+          <a:effectRef idx="0">
+            <a:schemeClr val="accent1"/>
+          </a:effectRef>
+          <a:fontRef idx="minor">
+            <a:schemeClr val="tx1"/>
+          </a:fontRef>
+        </p:style>
+      </p:cxnSp>
     </p:spTree>
     <p:extLst>
       <p:ext uri="{BB962C8B-B14F-4D97-AF65-F5344CB8AC3E}">
@@ -3869,10 +3922,10 @@
       </p:grpSpPr>
       <p:sp useBgFill="1">
         <p:nvSpPr>
-          <p:cNvPr id="14" name="Rectangle 13">
-            <a:extLst>
-              <a:ext uri="{FF2B5EF4-FFF2-40B4-BE49-F238E27FC236}">
-                <a16:creationId xmlns:a16="http://schemas.microsoft.com/office/drawing/2014/main" id="{2EB492CD-616E-47F8-933B-5E2D952A0593}"/>
+          <p:cNvPr id="23" name="Rectangle 22">
+            <a:extLst>
+              <a:ext uri="{FF2B5EF4-FFF2-40B4-BE49-F238E27FC236}">
+                <a16:creationId xmlns:a16="http://schemas.microsoft.com/office/drawing/2014/main" id="{058A14AF-9FB5-4CC7-BA35-E8E85D3EDF0E}"/>
               </a:ext>
               <a:ext uri="{C183D7F6-B498-43B3-948B-1728B52AA6E4}">
                 <adec:decorative xmlns:adec="http://schemas.microsoft.com/office/drawing/2017/decorative" val="1"/>
@@ -3890,10 +3943,10 @@
             </p:extLst>
           </p:nvPr>
         </p:nvSpPr>
-        <p:spPr bwMode="white">
+        <p:spPr>
           <a:xfrm>
             <a:off x="0" y="0"/>
-            <a:ext cx="12192000" cy="6858000"/>
+            <a:ext cx="12191999" cy="6857365"/>
           </a:xfrm>
           <a:prstGeom prst="rect">
             <a:avLst/>
@@ -3920,101 +3973,7 @@
         </p:style>
         <p:txBody>
           <a:bodyPr rtlCol="0" anchor="ctr"/>
-          <a:lstStyle>
-            <a:defPPr>
-              <a:defRPr lang="en-US"/>
-            </a:defPPr>
-            <a:lvl1pPr marL="0" algn="l" defTabSz="914400" rtl="0" eaLnBrk="1" latinLnBrk="0" hangingPunct="1">
-              <a:defRPr sz="1800" kern="1200">
-                <a:solidFill>
-                  <a:schemeClr val="lt1"/>
-                </a:solidFill>
-                <a:latin typeface="+mn-lt"/>
-                <a:ea typeface="+mn-ea"/>
-                <a:cs typeface="+mn-cs"/>
-              </a:defRPr>
-            </a:lvl1pPr>
-            <a:lvl2pPr marL="457200" algn="l" defTabSz="914400" rtl="0" eaLnBrk="1" latinLnBrk="0" hangingPunct="1">
-              <a:defRPr sz="1800" kern="1200">
-                <a:solidFill>
-                  <a:schemeClr val="lt1"/>
-                </a:solidFill>
-                <a:latin typeface="+mn-lt"/>
-                <a:ea typeface="+mn-ea"/>
-                <a:cs typeface="+mn-cs"/>
-              </a:defRPr>
-            </a:lvl2pPr>
-            <a:lvl3pPr marL="914400" algn="l" defTabSz="914400" rtl="0" eaLnBrk="1" latinLnBrk="0" hangingPunct="1">
-              <a:defRPr sz="1800" kern="1200">
-                <a:solidFill>
-                  <a:schemeClr val="lt1"/>
-                </a:solidFill>
-                <a:latin typeface="+mn-lt"/>
-                <a:ea typeface="+mn-ea"/>
-                <a:cs typeface="+mn-cs"/>
-              </a:defRPr>
-            </a:lvl3pPr>
-            <a:lvl4pPr marL="1371600" algn="l" defTabSz="914400" rtl="0" eaLnBrk="1" latinLnBrk="0" hangingPunct="1">
-              <a:defRPr sz="1800" kern="1200">
-                <a:solidFill>
-                  <a:schemeClr val="lt1"/>
-                </a:solidFill>
-                <a:latin typeface="+mn-lt"/>
-                <a:ea typeface="+mn-ea"/>
-                <a:cs typeface="+mn-cs"/>
-              </a:defRPr>
-            </a:lvl4pPr>
-            <a:lvl5pPr marL="1828800" algn="l" defTabSz="914400" rtl="0" eaLnBrk="1" latinLnBrk="0" hangingPunct="1">
-              <a:defRPr sz="1800" kern="1200">
-                <a:solidFill>
-                  <a:schemeClr val="lt1"/>
-                </a:solidFill>
-                <a:latin typeface="+mn-lt"/>
-                <a:ea typeface="+mn-ea"/>
-                <a:cs typeface="+mn-cs"/>
-              </a:defRPr>
-            </a:lvl5pPr>
-            <a:lvl6pPr marL="2286000" algn="l" defTabSz="914400" rtl="0" eaLnBrk="1" latinLnBrk="0" hangingPunct="1">
-              <a:defRPr sz="1800" kern="1200">
-                <a:solidFill>
-                  <a:schemeClr val="lt1"/>
-                </a:solidFill>
-                <a:latin typeface="+mn-lt"/>
-                <a:ea typeface="+mn-ea"/>
-                <a:cs typeface="+mn-cs"/>
-              </a:defRPr>
-            </a:lvl6pPr>
-            <a:lvl7pPr marL="2743200" algn="l" defTabSz="914400" rtl="0" eaLnBrk="1" latinLnBrk="0" hangingPunct="1">
-              <a:defRPr sz="1800" kern="1200">
-                <a:solidFill>
-                  <a:schemeClr val="lt1"/>
-                </a:solidFill>
-                <a:latin typeface="+mn-lt"/>
-                <a:ea typeface="+mn-ea"/>
-                <a:cs typeface="+mn-cs"/>
-              </a:defRPr>
-            </a:lvl7pPr>
-            <a:lvl8pPr marL="3200400" algn="l" defTabSz="914400" rtl="0" eaLnBrk="1" latinLnBrk="0" hangingPunct="1">
-              <a:defRPr sz="1800" kern="1200">
-                <a:solidFill>
-                  <a:schemeClr val="lt1"/>
-                </a:solidFill>
-                <a:latin typeface="+mn-lt"/>
-                <a:ea typeface="+mn-ea"/>
-                <a:cs typeface="+mn-cs"/>
-              </a:defRPr>
-            </a:lvl8pPr>
-            <a:lvl9pPr marL="3657600" algn="l" defTabSz="914400" rtl="0" eaLnBrk="1" latinLnBrk="0" hangingPunct="1">
-              <a:defRPr sz="1800" kern="1200">
-                <a:solidFill>
-                  <a:schemeClr val="lt1"/>
-                </a:solidFill>
-                <a:latin typeface="+mn-lt"/>
-                <a:ea typeface="+mn-ea"/>
-                <a:cs typeface="+mn-cs"/>
-              </a:defRPr>
-            </a:lvl9pPr>
-          </a:lstStyle>
+          <a:lstStyle/>
           <a:p>
             <a:pPr algn="ctr"/>
             <a:endParaRPr lang="en-US"/>
@@ -4023,10 +3982,45 @@
       </p:sp>
       <p:sp>
         <p:nvSpPr>
-          <p:cNvPr id="16" name="Arc 15">
-            <a:extLst>
-              <a:ext uri="{FF2B5EF4-FFF2-40B4-BE49-F238E27FC236}">
-                <a16:creationId xmlns:a16="http://schemas.microsoft.com/office/drawing/2014/main" id="{59383CF9-23B5-4335-9B21-1791C4CF1C75}"/>
+          <p:cNvPr id="2" name="Titre 1">
+            <a:extLst>
+              <a:ext uri="{FF2B5EF4-FFF2-40B4-BE49-F238E27FC236}">
+                <a16:creationId xmlns:a16="http://schemas.microsoft.com/office/drawing/2014/main" id="{328D5CE7-A419-919D-558C-294E2195C28A}"/>
+              </a:ext>
+            </a:extLst>
+          </p:cNvPr>
+          <p:cNvSpPr>
+            <a:spLocks noGrp="1"/>
+          </p:cNvSpPr>
+          <p:nvPr>
+            <p:ph type="title"/>
+          </p:nvPr>
+        </p:nvSpPr>
+        <p:spPr>
+          <a:xfrm>
+            <a:off x="793662" y="386930"/>
+            <a:ext cx="10066122" cy="1298448"/>
+          </a:xfrm>
+        </p:spPr>
+        <p:txBody>
+          <a:bodyPr anchor="b">
+            <a:normAutofit/>
+          </a:bodyPr>
+          <a:lstStyle/>
+          <a:p>
+            <a:r>
+              <a:rPr lang="fr-FR" sz="4800"/>
+              <a:t>Objectif du projet &amp; API</a:t>
+            </a:r>
+          </a:p>
+        </p:txBody>
+      </p:sp>
+      <p:sp>
+        <p:nvSpPr>
+          <p:cNvPr id="25" name="Rectangle 24">
+            <a:extLst>
+              <a:ext uri="{FF2B5EF4-FFF2-40B4-BE49-F238E27FC236}">
+                <a16:creationId xmlns:a16="http://schemas.microsoft.com/office/drawing/2014/main" id="{3A9A4357-BD1D-4622-A4FE-766E6AB8DE84}"/>
               </a:ext>
               <a:ext uri="{C183D7F6-B498-43B3-948B-1728B52AA6E4}">
                 <adec:decorative xmlns:adec="http://schemas.microsoft.com/office/drawing/2017/decorative" val="1"/>
@@ -4045,213 +4039,13 @@
           </p:nvPr>
         </p:nvSpPr>
         <p:spPr>
-          <a:xfrm rot="3967198" flipH="1">
-            <a:off x="8631348" y="490493"/>
-            <a:ext cx="2987899" cy="2987899"/>
+          <a:xfrm flipH="1" flipV="1">
+            <a:off x="-2" y="1998845"/>
+            <a:ext cx="11454595" cy="781699"/>
           </a:xfrm>
-          <a:prstGeom prst="arc">
-            <a:avLst>
-              <a:gd name="adj1" fmla="val 14441841"/>
-              <a:gd name="adj2" fmla="val 0"/>
-            </a:avLst>
+          <a:prstGeom prst="rect">
+            <a:avLst/>
           </a:prstGeom>
-          <a:ln w="127000" cap="rnd">
-            <a:solidFill>
-              <a:schemeClr val="accent4"/>
-            </a:solidFill>
-            <a:prstDash val="dash"/>
-            <a:miter lim="800000"/>
-          </a:ln>
-        </p:spPr>
-        <p:style>
-          <a:lnRef idx="1">
-            <a:schemeClr val="accent1"/>
-          </a:lnRef>
-          <a:fillRef idx="0">
-            <a:schemeClr val="accent1"/>
-          </a:fillRef>
-          <a:effectRef idx="0">
-            <a:schemeClr val="accent1"/>
-          </a:effectRef>
-          <a:fontRef idx="minor">
-            <a:schemeClr val="tx1"/>
-          </a:fontRef>
-        </p:style>
-        <p:txBody>
-          <a:bodyPr rtlCol="0" anchor="ctr"/>
-          <a:lstStyle/>
-          <a:p>
-            <a:pPr marL="0" marR="0" lvl="0" indent="0" algn="ctr" defTabSz="914400" rtl="0" eaLnBrk="1" fontAlgn="auto" latinLnBrk="0" hangingPunct="1">
-              <a:lnSpc>
-                <a:spcPct val="100000"/>
-              </a:lnSpc>
-              <a:spcBef>
-                <a:spcPts val="0"/>
-              </a:spcBef>
-              <a:spcAft>
-                <a:spcPts val="0"/>
-              </a:spcAft>
-              <a:buClrTx/>
-              <a:buSzTx/>
-              <a:buFontTx/>
-              <a:buNone/>
-              <a:tabLst/>
-              <a:defRPr/>
-            </a:pPr>
-            <a:endParaRPr kumimoji="0" lang="en-US" sz="1800" b="0" i="0" u="none" strike="noStrike" kern="1200" cap="none" spc="0" normalizeH="0" baseline="0" noProof="0">
-              <a:ln>
-                <a:noFill/>
-              </a:ln>
-              <a:solidFill>
-                <a:srgbClr val="000000"/>
-              </a:solidFill>
-              <a:effectLst/>
-              <a:uLnTx/>
-              <a:uFillTx/>
-              <a:latin typeface="Calibri" panose="020F0502020204030204"/>
-              <a:ea typeface="+mn-ea"/>
-              <a:cs typeface="+mn-cs"/>
-            </a:endParaRPr>
-          </a:p>
-        </p:txBody>
-      </p:sp>
-      <p:sp>
-        <p:nvSpPr>
-          <p:cNvPr id="2" name="Titre 1">
-            <a:extLst>
-              <a:ext uri="{FF2B5EF4-FFF2-40B4-BE49-F238E27FC236}">
-                <a16:creationId xmlns:a16="http://schemas.microsoft.com/office/drawing/2014/main" id="{328D5CE7-A419-919D-558C-294E2195C28A}"/>
-              </a:ext>
-            </a:extLst>
-          </p:cNvPr>
-          <p:cNvSpPr>
-            <a:spLocks noGrp="1"/>
-          </p:cNvSpPr>
-          <p:nvPr>
-            <p:ph type="title"/>
-          </p:nvPr>
-        </p:nvSpPr>
-        <p:spPr>
-          <a:xfrm>
-            <a:off x="5894962" y="479493"/>
-            <a:ext cx="5458838" cy="1325563"/>
-          </a:xfrm>
-        </p:spPr>
-        <p:txBody>
-          <a:bodyPr>
-            <a:normAutofit/>
-          </a:bodyPr>
-          <a:lstStyle/>
-          <a:p>
-            <a:r>
-              <a:rPr lang="fr-FR"/>
-              <a:t>Objectif du projet &amp; API</a:t>
-            </a:r>
-          </a:p>
-        </p:txBody>
-      </p:sp>
-      <p:sp>
-        <p:nvSpPr>
-          <p:cNvPr id="18" name="Freeform: Shape 17">
-            <a:extLst>
-              <a:ext uri="{FF2B5EF4-FFF2-40B4-BE49-F238E27FC236}">
-                <a16:creationId xmlns:a16="http://schemas.microsoft.com/office/drawing/2014/main" id="{0007FE00-9498-4706-B255-6437B0252C02}"/>
-              </a:ext>
-              <a:ext uri="{C183D7F6-B498-43B3-948B-1728B52AA6E4}">
-                <adec:decorative xmlns:adec="http://schemas.microsoft.com/office/drawing/2017/decorative" val="1"/>
-              </a:ext>
-            </a:extLst>
-          </p:cNvPr>
-          <p:cNvSpPr>
-            <a:spLocks noGrp="1" noRot="1" noChangeAspect="1" noMove="1" noResize="1" noEditPoints="1" noAdjustHandles="1" noChangeArrowheads="1" noChangeShapeType="1" noTextEdit="1"/>
-          </p:cNvSpPr>
-          <p:nvPr>
-            <p:extLst>
-              <p:ext uri="{386F3935-93C4-4BCD-93E2-E3B085C9AB24}">
-                <p16:designElem xmlns:p16="http://schemas.microsoft.com/office/powerpoint/2015/main" val="1"/>
-              </p:ext>
-            </p:extLst>
-          </p:nvPr>
-        </p:nvSpPr>
-        <p:spPr>
-          <a:xfrm flipH="1">
-            <a:off x="0" y="5486400"/>
-            <a:ext cx="2672863" cy="1371600"/>
-          </a:xfrm>
-          <a:custGeom>
-            <a:avLst/>
-            <a:gdLst>
-              <a:gd name="connsiteX0" fmla="*/ 1721734 w 2672863"/>
-              <a:gd name="connsiteY0" fmla="*/ 0 h 1371600"/>
-              <a:gd name="connsiteX1" fmla="*/ 2564444 w 2672863"/>
-              <a:gd name="connsiteY1" fmla="*/ 213382 h 1371600"/>
-              <a:gd name="connsiteX2" fmla="*/ 2672863 w 2672863"/>
-              <a:gd name="connsiteY2" fmla="*/ 279248 h 1371600"/>
-              <a:gd name="connsiteX3" fmla="*/ 2672863 w 2672863"/>
-              <a:gd name="connsiteY3" fmla="*/ 1371600 h 1371600"/>
-              <a:gd name="connsiteX4" fmla="*/ 0 w 2672863"/>
-              <a:gd name="connsiteY4" fmla="*/ 1371600 h 1371600"/>
-              <a:gd name="connsiteX5" fmla="*/ 33268 w 2672863"/>
-              <a:gd name="connsiteY5" fmla="*/ 1242216 h 1371600"/>
-              <a:gd name="connsiteX6" fmla="*/ 1721734 w 2672863"/>
-              <a:gd name="connsiteY6" fmla="*/ 0 h 1371600"/>
-            </a:gdLst>
-            <a:ahLst/>
-            <a:cxnLst>
-              <a:cxn ang="0">
-                <a:pos x="connsiteX0" y="connsiteY0"/>
-              </a:cxn>
-              <a:cxn ang="0">
-                <a:pos x="connsiteX1" y="connsiteY1"/>
-              </a:cxn>
-              <a:cxn ang="0">
-                <a:pos x="connsiteX2" y="connsiteY2"/>
-              </a:cxn>
-              <a:cxn ang="0">
-                <a:pos x="connsiteX3" y="connsiteY3"/>
-              </a:cxn>
-              <a:cxn ang="0">
-                <a:pos x="connsiteX4" y="connsiteY4"/>
-              </a:cxn>
-              <a:cxn ang="0">
-                <a:pos x="connsiteX5" y="connsiteY5"/>
-              </a:cxn>
-              <a:cxn ang="0">
-                <a:pos x="connsiteX6" y="connsiteY6"/>
-              </a:cxn>
-            </a:cxnLst>
-            <a:rect l="l" t="t" r="r" b="b"/>
-            <a:pathLst>
-              <a:path w="2672863" h="1371600">
-                <a:moveTo>
-                  <a:pt x="1721734" y="0"/>
-                </a:moveTo>
-                <a:cubicBezTo>
-                  <a:pt x="2026863" y="0"/>
-                  <a:pt x="2313937" y="77299"/>
-                  <a:pt x="2564444" y="213382"/>
-                </a:cubicBezTo>
-                <a:lnTo>
-                  <a:pt x="2672863" y="279248"/>
-                </a:lnTo>
-                <a:lnTo>
-                  <a:pt x="2672863" y="1371600"/>
-                </a:lnTo>
-                <a:lnTo>
-                  <a:pt x="0" y="1371600"/>
-                </a:lnTo>
-                <a:lnTo>
-                  <a:pt x="33268" y="1242216"/>
-                </a:lnTo>
-                <a:cubicBezTo>
-                  <a:pt x="257110" y="522539"/>
-                  <a:pt x="928399" y="0"/>
-                  <a:pt x="1721734" y="0"/>
-                </a:cubicBezTo>
-                <a:close/>
-              </a:path>
-            </a:pathLst>
-          </a:custGeom>
           <a:solidFill>
             <a:schemeClr val="accent4"/>
           </a:solidFill>
@@ -4276,9 +4070,7 @@
           </a:fontRef>
         </p:style>
         <p:txBody>
-          <a:bodyPr wrap="square" rtlCol="0" anchor="ctr">
-            <a:noAutofit/>
-          </a:bodyPr>
+          <a:bodyPr rtlCol="0" anchor="ctr"/>
           <a:lstStyle/>
           <a:p>
             <a:pPr algn="ctr"/>
@@ -4286,81 +4078,76 @@
           </a:p>
         </p:txBody>
       </p:sp>
-      <p:pic>
-        <p:nvPicPr>
-          <p:cNvPr id="5" name="Picture 4" descr="Un drapeau de localisation sur un plan de ville">
-            <a:extLst>
-              <a:ext uri="{FF2B5EF4-FFF2-40B4-BE49-F238E27FC236}">
-                <a16:creationId xmlns:a16="http://schemas.microsoft.com/office/drawing/2014/main" id="{D030B149-17AE-016A-93BD-D7CC809FD085}"/>
-              </a:ext>
-            </a:extLst>
-          </p:cNvPr>
-          <p:cNvPicPr>
-            <a:picLocks noChangeAspect="1"/>
-          </p:cNvPicPr>
-          <p:nvPr/>
-        </p:nvPicPr>
-        <p:blipFill>
-          <a:blip r:embed="rId2"/>
-          <a:srcRect l="2745" r="45418" b="-1"/>
-          <a:stretch>
-            <a:fillRect/>
-          </a:stretch>
-        </p:blipFill>
+      <p:sp>
+        <p:nvSpPr>
+          <p:cNvPr id="27" name="Rectangle 26">
+            <a:extLst>
+              <a:ext uri="{FF2B5EF4-FFF2-40B4-BE49-F238E27FC236}">
+                <a16:creationId xmlns:a16="http://schemas.microsoft.com/office/drawing/2014/main" id="{E659831F-0D9A-4C63-9EBB-8435B85A440F}"/>
+              </a:ext>
+              <a:ext uri="{C183D7F6-B498-43B3-948B-1728B52AA6E4}">
+                <adec:decorative xmlns:adec="http://schemas.microsoft.com/office/drawing/2017/decorative" val="1"/>
+              </a:ext>
+            </a:extLst>
+          </p:cNvPr>
+          <p:cNvSpPr>
+            <a:spLocks noGrp="1" noRot="1" noChangeAspect="1" noMove="1" noResize="1" noEditPoints="1" noAdjustHandles="1" noChangeArrowheads="1" noChangeShapeType="1" noTextEdit="1"/>
+          </p:cNvSpPr>
+          <p:nvPr>
+            <p:extLst>
+              <p:ext uri="{386F3935-93C4-4BCD-93E2-E3B085C9AB24}">
+                <p16:designElem xmlns:p16="http://schemas.microsoft.com/office/powerpoint/2015/main" val="1"/>
+              </p:ext>
+            </p:extLst>
+          </p:nvPr>
+        </p:nvSpPr>
         <p:spPr>
           <a:xfrm>
-            <a:off x="891959" y="511293"/>
-            <a:ext cx="4399827" cy="5665670"/>
+            <a:off x="0" y="2203079"/>
+            <a:ext cx="11383362" cy="4267991"/>
           </a:xfrm>
-          <a:custGeom>
+          <a:prstGeom prst="rect">
             <a:avLst/>
-            <a:gdLst/>
-            <a:ahLst/>
-            <a:cxnLst/>
-            <a:rect l="l" t="t" r="r" b="b"/>
-            <a:pathLst>
-              <a:path w="4777381" h="5643794">
-                <a:moveTo>
-                  <a:pt x="143704" y="0"/>
-                </a:moveTo>
-                <a:lnTo>
-                  <a:pt x="4633677" y="0"/>
-                </a:lnTo>
-                <a:cubicBezTo>
-                  <a:pt x="4713043" y="0"/>
-                  <a:pt x="4777381" y="64338"/>
-                  <a:pt x="4777381" y="143704"/>
-                </a:cubicBezTo>
-                <a:lnTo>
-                  <a:pt x="4777381" y="5500090"/>
-                </a:lnTo>
-                <a:cubicBezTo>
-                  <a:pt x="4777381" y="5579456"/>
-                  <a:pt x="4713043" y="5643794"/>
-                  <a:pt x="4633677" y="5643794"/>
-                </a:cubicBezTo>
-                <a:lnTo>
-                  <a:pt x="143704" y="5643794"/>
-                </a:lnTo>
-                <a:cubicBezTo>
-                  <a:pt x="64338" y="5643794"/>
-                  <a:pt x="0" y="5579456"/>
-                  <a:pt x="0" y="5500090"/>
-                </a:cubicBezTo>
-                <a:lnTo>
-                  <a:pt x="0" y="143704"/>
-                </a:lnTo>
-                <a:cubicBezTo>
-                  <a:pt x="0" y="64338"/>
-                  <a:pt x="64338" y="0"/>
-                  <a:pt x="143704" y="0"/>
-                </a:cubicBezTo>
-                <a:close/>
-              </a:path>
-            </a:pathLst>
-          </a:custGeom>
+          </a:prstGeom>
+          <a:solidFill>
+            <a:schemeClr val="bg1"/>
+          </a:solidFill>
+          <a:ln>
+            <a:noFill/>
+          </a:ln>
+          <a:effectLst>
+            <a:outerShdw blurRad="139700" dist="127000" dir="5400000" algn="t" rotWithShape="0">
+              <a:prstClr val="black">
+                <a:alpha val="15000"/>
+              </a:prstClr>
+            </a:outerShdw>
+          </a:effectLst>
         </p:spPr>
-      </p:pic>
+        <p:style>
+          <a:lnRef idx="2">
+            <a:schemeClr val="accent1">
+              <a:shade val="50000"/>
+            </a:schemeClr>
+          </a:lnRef>
+          <a:fillRef idx="1">
+            <a:schemeClr val="accent1"/>
+          </a:fillRef>
+          <a:effectRef idx="0">
+            <a:schemeClr val="accent1"/>
+          </a:effectRef>
+          <a:fontRef idx="minor">
+            <a:schemeClr val="lt1"/>
+          </a:fontRef>
+        </p:style>
+        <p:txBody>
+          <a:bodyPr rtlCol="0" anchor="ctr"/>
+          <a:lstStyle/>
+          <a:p>
+            <a:pPr algn="ctr"/>
+            <a:endParaRPr lang="en-US"/>
+          </a:p>
+        </p:txBody>
+      </p:sp>
       <p:sp>
         <p:nvSpPr>
           <p:cNvPr id="3" name="Espace réservé du contenu 2">
@@ -4379,24 +4166,24 @@
         </p:nvSpPr>
         <p:spPr>
           <a:xfrm>
-            <a:off x="5894962" y="1984443"/>
-            <a:ext cx="5458838" cy="4192520"/>
+            <a:off x="793661" y="2599509"/>
+            <a:ext cx="4530898" cy="3639450"/>
           </a:xfrm>
         </p:spPr>
         <p:txBody>
-          <a:bodyPr>
+          <a:bodyPr anchor="ctr">
             <a:normAutofit/>
           </a:bodyPr>
           <a:lstStyle/>
           <a:p>
             <a:r>
-              <a:rPr lang="fr-FR" sz="2000"/>
+              <a:rPr lang="fr-FR" sz="1700"/>
               <a:t>Utiliser différents API pour créer une carte interactive donnant la ville à l’endroit ou on clique.</a:t>
             </a:r>
           </a:p>
           <a:p>
             <a:r>
-              <a:rPr lang="fr-FR" sz="2000"/>
+              <a:rPr lang="fr-FR" sz="1700"/>
               <a:t>Donner la météo de la ville correspondante.</a:t>
             </a:r>
           </a:p>
@@ -4405,7 +4192,7 @@
               <a:buNone/>
             </a:pPr>
             <a:r>
-              <a:rPr lang="fr-FR" sz="2000"/>
+              <a:rPr lang="fr-FR" sz="1700"/>
               <a:t>API utilisée</a:t>
             </a:r>
           </a:p>
@@ -4414,17 +4201,17 @@
               <a:buNone/>
             </a:pPr>
             <a:r>
-              <a:rPr lang="fr-FR" sz="2000"/>
+              <a:rPr lang="fr-FR" sz="1700"/>
               <a:t>- leaflet : </a:t>
             </a:r>
             <a:r>
-              <a:rPr lang="fr-FR" sz="2000">
-                <a:hlinkClick r:id="rId3" tooltip="https://leafletjs.com/"/>
+              <a:rPr lang="fr-FR" sz="1700">
+                <a:hlinkClick r:id="rId2" tooltip="https://leafletjs.com/"/>
               </a:rPr>
               <a:t>https://leafletjs.com/</a:t>
             </a:r>
             <a:r>
-              <a:rPr lang="fr-FR" sz="2000"/>
+              <a:rPr lang="fr-FR" sz="1700"/>
               <a:t> </a:t>
             </a:r>
           </a:p>
@@ -4433,17 +4220,17 @@
               <a:buNone/>
             </a:pPr>
             <a:r>
-              <a:rPr lang="fr-FR" sz="2000"/>
+              <a:rPr lang="fr-FR" sz="1700"/>
               <a:t>- Nominatim (OpenStreetMap) : </a:t>
             </a:r>
             <a:r>
-              <a:rPr lang="fr-FR" sz="2000">
-                <a:hlinkClick r:id="rId4" tooltip="https://nominatim.org/release-docs/latest/api/Reverse/"/>
+              <a:rPr lang="fr-FR" sz="1700">
+                <a:hlinkClick r:id="rId3" tooltip="https://nominatim.org/release-docs/latest/api/Reverse/"/>
               </a:rPr>
               <a:t>https://nominatim.org/release-docs/latest/api/Reverse/</a:t>
             </a:r>
             <a:r>
-              <a:rPr lang="fr-FR" sz="2000"/>
+              <a:rPr lang="fr-FR" sz="1700"/>
               <a:t> </a:t>
             </a:r>
           </a:p>
@@ -4452,8 +4239,8 @@
               <a:buNone/>
             </a:pPr>
             <a:r>
-              <a:rPr lang="fr-FR" sz="2000">
-                <a:hlinkClick r:id="rId5" tooltip="https://goweather.xyz/weather/$%7BnomDeLaVille%7D">
+              <a:rPr lang="fr-FR" sz="1700">
+                <a:hlinkClick r:id="rId4" tooltip="https://goweather.xyz/weather/$%7BnomDeLaVille%7D">
                   <a:extLst>
                     <a:ext uri="{A12FA001-AC4F-418D-AE19-62706E023703}">
                       <ahyp:hlinkClr xmlns:ahyp="http://schemas.microsoft.com/office/drawing/2018/hyperlinkcolor" val="tx"/>
@@ -4463,13 +4250,107 @@
               </a:rPr>
               <a:t>- Goweather: https://goweather.xyz/weather/$%7BnomDeLaVille%7D</a:t>
             </a:r>
-            <a:endParaRPr lang="fr-FR" sz="2000"/>
+            <a:endParaRPr lang="fr-FR" sz="1700"/>
           </a:p>
           <a:p>
             <a:pPr marL="0" indent="0">
               <a:buNone/>
             </a:pPr>
-            <a:endParaRPr lang="fr-FR" sz="2000"/>
+            <a:endParaRPr lang="fr-FR" sz="1700"/>
+          </a:p>
+        </p:txBody>
+      </p:sp>
+      <p:pic>
+        <p:nvPicPr>
+          <p:cNvPr id="5" name="Picture 4" descr="Un drapeau de localisation sur un plan de ville">
+            <a:extLst>
+              <a:ext uri="{FF2B5EF4-FFF2-40B4-BE49-F238E27FC236}">
+                <a16:creationId xmlns:a16="http://schemas.microsoft.com/office/drawing/2014/main" id="{D030B149-17AE-016A-93BD-D7CC809FD085}"/>
+              </a:ext>
+            </a:extLst>
+          </p:cNvPr>
+          <p:cNvPicPr>
+            <a:picLocks noChangeAspect="1"/>
+          </p:cNvPicPr>
+          <p:nvPr/>
+        </p:nvPicPr>
+        <p:blipFill>
+          <a:blip r:embed="rId5"/>
+          <a:srcRect l="2745" r="45418" b="-1"/>
+          <a:stretch>
+            <a:fillRect/>
+          </a:stretch>
+        </p:blipFill>
+        <p:spPr>
+          <a:xfrm>
+            <a:off x="7044473" y="2484255"/>
+            <a:ext cx="2884395" cy="3714244"/>
+          </a:xfrm>
+          <a:prstGeom prst="rect">
+            <a:avLst/>
+          </a:prstGeom>
+        </p:spPr>
+      </p:pic>
+      <p:sp>
+        <p:nvSpPr>
+          <p:cNvPr id="29" name="Rectangle 28">
+            <a:extLst>
+              <a:ext uri="{FF2B5EF4-FFF2-40B4-BE49-F238E27FC236}">
+                <a16:creationId xmlns:a16="http://schemas.microsoft.com/office/drawing/2014/main" id="{E6995CE5-F890-4ABA-82A2-26507CE8D2A3}"/>
+              </a:ext>
+              <a:ext uri="{C183D7F6-B498-43B3-948B-1728B52AA6E4}">
+                <adec:decorative xmlns:adec="http://schemas.microsoft.com/office/drawing/2017/decorative" val="1"/>
+              </a:ext>
+            </a:extLst>
+          </p:cNvPr>
+          <p:cNvSpPr>
+            <a:spLocks noGrp="1" noRot="1" noChangeAspect="1" noMove="1" noResize="1" noEditPoints="1" noAdjustHandles="1" noChangeArrowheads="1" noChangeShapeType="1" noTextEdit="1"/>
+          </p:cNvSpPr>
+          <p:nvPr>
+            <p:extLst>
+              <p:ext uri="{386F3935-93C4-4BCD-93E2-E3B085C9AB24}">
+                <p16:designElem xmlns:p16="http://schemas.microsoft.com/office/powerpoint/2015/main" val="1"/>
+              </p:ext>
+            </p:extLst>
+          </p:nvPr>
+        </p:nvSpPr>
+        <p:spPr>
+          <a:xfrm rot="5400000">
+            <a:off x="11228040" y="2313027"/>
+            <a:ext cx="781700" cy="152382"/>
+          </a:xfrm>
+          <a:prstGeom prst="rect">
+            <a:avLst/>
+          </a:prstGeom>
+          <a:solidFill>
+            <a:schemeClr val="accent4"/>
+          </a:solidFill>
+          <a:ln>
+            <a:noFill/>
+          </a:ln>
+        </p:spPr>
+        <p:style>
+          <a:lnRef idx="2">
+            <a:schemeClr val="accent1">
+              <a:shade val="50000"/>
+            </a:schemeClr>
+          </a:lnRef>
+          <a:fillRef idx="1">
+            <a:schemeClr val="accent1"/>
+          </a:fillRef>
+          <a:effectRef idx="0">
+            <a:schemeClr val="accent1"/>
+          </a:effectRef>
+          <a:fontRef idx="minor">
+            <a:schemeClr val="lt1"/>
+          </a:fontRef>
+        </p:style>
+        <p:txBody>
+          <a:bodyPr rtlCol="0" anchor="ctr"/>
+          <a:lstStyle/>
+          <a:p>
+            <a:pPr algn="ctr"/>
+            <a:endParaRPr lang="en-US"/>
           </a:p>
         </p:txBody>
       </p:sp>
@@ -4921,17 +4802,21 @@
           <a:lstStyle/>
           <a:p>
             <a:r>
-              <a:rPr lang="fr-FR" sz="2000"/>
-              <a:t>leaflet : </a:t>
-            </a:r>
-            <a:r>
-              <a:rPr lang="fr-FR" sz="2000">
+              <a:rPr lang="fr-FR" sz="2000" dirty="0" err="1"/>
+              <a:t>leaflet</a:t>
+            </a:r>
+            <a:r>
+              <a:rPr lang="fr-FR" sz="2000" dirty="0"/>
+              <a:t> : </a:t>
+            </a:r>
+            <a:r>
+              <a:rPr lang="fr-FR" sz="2000" dirty="0">
                 <a:hlinkClick r:id="rId2" tooltip="https://leafletjs.com/"/>
               </a:rPr>
               <a:t>https://leafletjs.com/</a:t>
             </a:r>
             <a:r>
-              <a:rPr lang="fr-FR" sz="2000"/>
+              <a:rPr lang="fr-FR" sz="2000" dirty="0"/>
               <a:t> </a:t>
             </a:r>
           </a:p>
@@ -4940,8 +4825,8 @@
               <a:buNone/>
             </a:pPr>
             <a:r>
-              <a:rPr lang="fr-FR" sz="2000"/>
-              <a:t>Il nous servira à créer une carte interactifs avec différents paramètres.</a:t>
+              <a:rPr lang="fr-FR" sz="2000" dirty="0"/>
+              <a:t>Il nous servira à créer une carte interactive avec différents paramètres.</a:t>
             </a:r>
           </a:p>
         </p:txBody>
@@ -4968,7 +4853,7 @@
         </p:blipFill>
         <p:spPr>
           <a:xfrm>
-            <a:off x="6946667" y="1240892"/>
+            <a:off x="6946667" y="3680266"/>
             <a:ext cx="4389120" cy="1647958"/>
           </a:xfrm>
           <a:prstGeom prst="rect">
@@ -4998,7 +4883,7 @@
         </p:blipFill>
         <p:spPr>
           <a:xfrm>
-            <a:off x="6946667" y="4070132"/>
+            <a:off x="6946667" y="1041572"/>
             <a:ext cx="4389120" cy="1591056"/>
           </a:xfrm>
           <a:prstGeom prst="rect">
@@ -5236,17 +5121,29 @@
           <a:lstStyle/>
           <a:p>
             <a:r>
-              <a:rPr lang="fr-FR" sz="1800"/>
-              <a:t>Nominatim (OpenStreetMap) : </a:t>
-            </a:r>
-            <a:r>
-              <a:rPr lang="fr-FR" sz="1800">
+              <a:rPr lang="fr-FR" sz="1800" dirty="0" err="1"/>
+              <a:t>Nominatim</a:t>
+            </a:r>
+            <a:r>
+              <a:rPr lang="fr-FR" sz="1800" dirty="0"/>
+              <a:t> (</a:t>
+            </a:r>
+            <a:r>
+              <a:rPr lang="fr-FR" sz="1800" dirty="0" err="1"/>
+              <a:t>OpenStreetMap</a:t>
+            </a:r>
+            <a:r>
+              <a:rPr lang="fr-FR" sz="1800" dirty="0"/>
+              <a:t>) : </a:t>
+            </a:r>
+            <a:r>
+              <a:rPr lang="fr-FR" sz="1800" dirty="0">
                 <a:hlinkClick r:id="rId2" tooltip="https://nominatim.org/release-docs/latest/api/Reverse/"/>
               </a:rPr>
               <a:t>https://nominatim.org/release-docs/latest/api/Reverse/</a:t>
             </a:r>
             <a:r>
-              <a:rPr lang="fr-FR" sz="1800"/>
+              <a:rPr lang="fr-FR" sz="1800" dirty="0"/>
               <a:t> </a:t>
             </a:r>
           </a:p>
@@ -5255,12 +5152,20 @@
               <a:buNone/>
             </a:pPr>
             <a:r>
-              <a:rPr lang="fr-FR" sz="1800"/>
-              <a:t>Ensuite, on utilise Nominatim afin de définir l’endroit où on à cliqué (avec aussi une vérification si c’est une ville valide)</a:t>
-            </a:r>
-          </a:p>
-          <a:p>
-            <a:endParaRPr lang="fr-FR" sz="1800"/>
+              <a:rPr lang="fr-FR" sz="1800" dirty="0"/>
+              <a:t>Ensuite, on utilise </a:t>
+            </a:r>
+            <a:r>
+              <a:rPr lang="fr-FR" sz="1800" dirty="0" err="1"/>
+              <a:t>Nominatim</a:t>
+            </a:r>
+            <a:r>
+              <a:rPr lang="fr-FR" sz="1800" dirty="0"/>
+              <a:t> afin de définir l’endroit où on à cliqué (avec aussi une vérification si c’est une ville valide)</a:t>
+            </a:r>
+          </a:p>
+          <a:p>
+            <a:endParaRPr lang="fr-FR" sz="1800" dirty="0"/>
           </a:p>
         </p:txBody>
       </p:sp>
@@ -5720,7 +5625,7 @@
           <a:lstStyle/>
           <a:p>
             <a:r>
-              <a:rPr lang="fr-FR" sz="1800">
+              <a:rPr lang="fr-FR" sz="1800" dirty="0" err="1">
                 <a:hlinkClick r:id="rId2" tooltip="https://goweather.xyz/weather/$%7BnomDeLaVille%7D">
                   <a:extLst>
                     <a:ext uri="{A12FA001-AC4F-418D-AE19-62706E023703}">
@@ -5729,16 +5634,28 @@
                   </a:extLst>
                 </a:hlinkClick>
               </a:rPr>
-              <a:t>Goweather: https://goweather.xyz/weather/$%7BnomDeLaVille%7D</a:t>
-            </a:r>
-            <a:endParaRPr lang="fr-FR" sz="1800"/>
+              <a:t>Goweather</a:t>
+            </a:r>
+            <a:r>
+              <a:rPr lang="fr-FR" sz="1800" dirty="0">
+                <a:hlinkClick r:id="rId2" tooltip="https://goweather.xyz/weather/$%7BnomDeLaVille%7D">
+                  <a:extLst>
+                    <a:ext uri="{A12FA001-AC4F-418D-AE19-62706E023703}">
+                      <ahyp:hlinkClr xmlns:ahyp="http://schemas.microsoft.com/office/drawing/2018/hyperlinkcolor" val="tx"/>
+                    </a:ext>
+                  </a:extLst>
+                </a:hlinkClick>
+              </a:rPr>
+              <a:t>: https://goweather.xyz/weather/$%7BnomDeLaVille%7D</a:t>
+            </a:r>
+            <a:endParaRPr lang="fr-FR" sz="1800" dirty="0"/>
           </a:p>
           <a:p>
             <a:pPr marL="0" indent="0">
               <a:buNone/>
             </a:pPr>
             <a:r>
-              <a:rPr lang="fr-FR" sz="1800"/>
+              <a:rPr lang="fr-FR" sz="1800" dirty="0"/>
               <a:t>Une fois qu’on a la ville, on change le nom de l’URL pour avoir diverses informations météorologiques.</a:t>
             </a:r>
           </a:p>

--- a/Présentation Projet.pptx
+++ b/Présentation Projet.pptx
@@ -3573,9 +3573,14 @@
           <a:lstStyle/>
           <a:p>
             <a:r>
-              <a:rPr lang="fr-FR" sz="7200"/>
-              <a:t>Projet MapsJS</a:t>
-            </a:r>
+              <a:rPr lang="fr-FR" sz="7200" dirty="0"/>
+              <a:t>Projet </a:t>
+            </a:r>
+            <a:r>
+              <a:rPr lang="fr-FR" sz="7200" dirty="0" err="1"/>
+              <a:t>MapsJS</a:t>
+            </a:r>
+            <a:endParaRPr lang="fr-FR" sz="7200" dirty="0"/>
           </a:p>
         </p:txBody>
       </p:sp>
